--- a/20240331_bit全探索_bitDP/bit全探索_bitDP.pptx
+++ b/20240331_bit全探索_bitDP/bit全探索_bitDP.pptx
@@ -3976,6 +3976,50 @@
           </a:prstGeom>
         </p:spPr>
       </p:pic>
+      <p:sp>
+        <p:nvSpPr>
+          <p:cNvPr id="3" name="テキスト ボックス 2">
+            <a:extLst>
+              <a:ext uri="{FF2B5EF4-FFF2-40B4-BE49-F238E27FC236}">
+                <a16:creationId xmlns:a16="http://schemas.microsoft.com/office/drawing/2014/main" id="{D7FAE38B-9D08-1F0A-ACFB-DFE9FF577E35}"/>
+              </a:ext>
+            </a:extLst>
+          </p:cNvPr>
+          <p:cNvSpPr txBox="1"/>
+          <p:nvPr/>
+        </p:nvSpPr>
+        <p:spPr>
+          <a:xfrm>
+            <a:off x="1347537" y="2783780"/>
+            <a:ext cx="3776996" cy="369332"/>
+          </a:xfrm>
+          <a:prstGeom prst="rect">
+            <a:avLst/>
+          </a:prstGeom>
+          <a:noFill/>
+        </p:spPr>
+        <p:txBody>
+          <a:bodyPr wrap="none" rtlCol="0">
+            <a:spAutoFit/>
+          </a:bodyPr>
+          <a:lstStyle/>
+          <a:p>
+            <a:r>
+              <a:rPr kumimoji="1" lang="ja-JP" altLang="en-US"/>
+              <a:t>当然</a:t>
+            </a:r>
+            <a:r>
+              <a:rPr kumimoji="1" lang="en-US" altLang="ja-JP"/>
+              <a:t> n &gt;&gt; i &amp; 1 == 0</a:t>
+            </a:r>
+            <a:r>
+              <a:rPr lang="ja-JP" altLang="en-US"/>
+              <a:t>とかでもいい</a:t>
+            </a:r>
+            <a:endParaRPr kumimoji="1" lang="ja-JP" altLang="en-US"/>
+          </a:p>
+        </p:txBody>
+      </p:sp>
     </p:spTree>
     <p:extLst>
       <p:ext uri="{BB962C8B-B14F-4D97-AF65-F5344CB8AC3E}">
@@ -4775,8 +4819,12 @@
           <a:lstStyle/>
           <a:p>
             <a:r>
+              <a:rPr lang="en-US" altLang="ja-JP"/>
+              <a:t>9</a:t>
+            </a:r>
+            <a:r>
               <a:rPr kumimoji="1" lang="en-US" altLang="ja-JP"/>
-              <a:t>10</a:t>
+              <a:t>0</a:t>
             </a:r>
             <a:r>
               <a:rPr kumimoji="1" lang="ja-JP" altLang="en-US"/>
@@ -4853,8 +4901,12 @@
           <a:lstStyle/>
           <a:p>
             <a:r>
+              <a:rPr lang="en-US" altLang="ja-JP"/>
+              <a:t>1</a:t>
+            </a:r>
+            <a:r>
               <a:rPr kumimoji="1" lang="en-US" altLang="ja-JP"/>
-              <a:t>90</a:t>
+              <a:t>0</a:t>
             </a:r>
             <a:r>
               <a:rPr kumimoji="1" lang="ja-JP" altLang="en-US"/>
@@ -4975,7 +5027,7 @@
         <p:spPr>
           <a:xfrm>
             <a:off x="169569" y="5566139"/>
-            <a:ext cx="2908168" cy="646331"/>
+            <a:ext cx="2770310" cy="646331"/>
           </a:xfrm>
           <a:prstGeom prst="rect">
             <a:avLst/>
@@ -5002,7 +5054,7 @@
             </a:r>
             <a:r>
               <a:rPr lang="en-US" altLang="ja-JP"/>
-              <a:t> {1,0,1}</a:t>
+              <a:t> {A,C}</a:t>
             </a:r>
             <a:r>
               <a:rPr lang="ja-JP" altLang="en-US"/>
@@ -6997,7 +7049,7 @@
         </p:nvSpPr>
         <p:spPr>
           <a:xfrm>
-            <a:off x="509286" y="5107595"/>
+            <a:off x="539751" y="5172160"/>
             <a:ext cx="7053534" cy="369332"/>
           </a:xfrm>
           <a:prstGeom prst="rect">
@@ -7012,18 +7064,34 @@
           <a:lstStyle/>
           <a:p>
             <a:r>
-              <a:rPr kumimoji="1" lang="en-US" altLang="ja-JP"/>
+              <a:rPr kumimoji="1" lang="en-US" altLang="ja-JP">
+                <a:highlight>
+                  <a:srgbClr val="FFFF00"/>
+                </a:highlight>
+              </a:rPr>
               <a:t>dp[i + (1 &lt;&lt; x)][x] = min( dp[i+(1</a:t>
             </a:r>
             <a:r>
-              <a:rPr lang="en-US" altLang="ja-JP"/>
+              <a:rPr lang="en-US" altLang="ja-JP">
+                <a:highlight>
+                  <a:srgbClr val="FFFF00"/>
+                </a:highlight>
+              </a:rPr>
               <a:t> &lt;&lt; x</a:t>
             </a:r>
             <a:r>
-              <a:rPr kumimoji="1" lang="en-US" altLang="ja-JP"/>
+              <a:rPr kumimoji="1" lang="en-US" altLang="ja-JP">
+                <a:highlight>
+                  <a:srgbClr val="FFFF00"/>
+                </a:highlight>
+              </a:rPr>
               <a:t>)][x]  ,  dp[i][j] + |v(i,j)| )</a:t>
             </a:r>
-            <a:endParaRPr kumimoji="1" lang="ja-JP" altLang="en-US"/>
+            <a:endParaRPr kumimoji="1" lang="ja-JP" altLang="en-US">
+              <a:highlight>
+                <a:srgbClr val="FFFF00"/>
+              </a:highlight>
+            </a:endParaRPr>
           </a:p>
         </p:txBody>
       </p:sp>
@@ -7528,6 +7596,205 @@
           </a:p>
         </p:txBody>
       </p:sp>
+      <p:sp>
+        <p:nvSpPr>
+          <p:cNvPr id="2" name="テキスト ボックス 1">
+            <a:extLst>
+              <a:ext uri="{FF2B5EF4-FFF2-40B4-BE49-F238E27FC236}">
+                <a16:creationId xmlns:a16="http://schemas.microsoft.com/office/drawing/2014/main" id="{42B32D18-F21F-1129-CDBC-9244DE65462A}"/>
+              </a:ext>
+            </a:extLst>
+          </p:cNvPr>
+          <p:cNvSpPr txBox="1"/>
+          <p:nvPr/>
+        </p:nvSpPr>
+        <p:spPr>
+          <a:xfrm>
+            <a:off x="5333746" y="3841210"/>
+            <a:ext cx="1685077" cy="276999"/>
+          </a:xfrm>
+          <a:prstGeom prst="rect">
+            <a:avLst/>
+          </a:prstGeom>
+          <a:noFill/>
+        </p:spPr>
+        <p:txBody>
+          <a:bodyPr wrap="none" rtlCol="0">
+            <a:spAutoFit/>
+          </a:bodyPr>
+          <a:lstStyle/>
+          <a:p>
+            <a:r>
+              <a:rPr kumimoji="1" lang="en-US" altLang="ja-JP" sz="1200"/>
+              <a:t>(1 &lt;&lt;n)-1 =  111...11</a:t>
+            </a:r>
+            <a:endParaRPr kumimoji="1" lang="ja-JP" altLang="en-US" sz="1200"/>
+          </a:p>
+        </p:txBody>
+      </p:sp>
+      <p:sp>
+        <p:nvSpPr>
+          <p:cNvPr id="3" name="テキスト ボックス 2">
+            <a:extLst>
+              <a:ext uri="{FF2B5EF4-FFF2-40B4-BE49-F238E27FC236}">
+                <a16:creationId xmlns:a16="http://schemas.microsoft.com/office/drawing/2014/main" id="{D1E3929F-46B0-78A0-A983-88F23AEC0C0B}"/>
+              </a:ext>
+            </a:extLst>
+          </p:cNvPr>
+          <p:cNvSpPr txBox="1"/>
+          <p:nvPr/>
+        </p:nvSpPr>
+        <p:spPr>
+          <a:xfrm>
+            <a:off x="6857057" y="3861432"/>
+            <a:ext cx="354584" cy="246221"/>
+          </a:xfrm>
+          <a:prstGeom prst="rect">
+            <a:avLst/>
+          </a:prstGeom>
+          <a:noFill/>
+        </p:spPr>
+        <p:txBody>
+          <a:bodyPr wrap="none" rtlCol="0">
+            <a:spAutoFit/>
+          </a:bodyPr>
+          <a:lstStyle/>
+          <a:p>
+            <a:r>
+              <a:rPr kumimoji="1" lang="en-US" altLang="ja-JP" sz="1000"/>
+              <a:t>(2)</a:t>
+            </a:r>
+            <a:endParaRPr kumimoji="1" lang="ja-JP" altLang="en-US" sz="1000"/>
+          </a:p>
+        </p:txBody>
+      </p:sp>
+      <p:sp>
+        <p:nvSpPr>
+          <p:cNvPr id="27" name="テキスト ボックス 26">
+            <a:extLst>
+              <a:ext uri="{FF2B5EF4-FFF2-40B4-BE49-F238E27FC236}">
+                <a16:creationId xmlns:a16="http://schemas.microsoft.com/office/drawing/2014/main" id="{48EBF255-D493-B32B-DB62-90A50D097A7B}"/>
+              </a:ext>
+            </a:extLst>
+          </p:cNvPr>
+          <p:cNvSpPr txBox="1"/>
+          <p:nvPr/>
+        </p:nvSpPr>
+        <p:spPr>
+          <a:xfrm>
+            <a:off x="6524224" y="4077918"/>
+            <a:ext cx="266420" cy="261610"/>
+          </a:xfrm>
+          <a:prstGeom prst="rect">
+            <a:avLst/>
+          </a:prstGeom>
+          <a:noFill/>
+        </p:spPr>
+        <p:txBody>
+          <a:bodyPr wrap="none" rtlCol="0">
+            <a:spAutoFit/>
+          </a:bodyPr>
+          <a:lstStyle/>
+          <a:p>
+            <a:r>
+              <a:rPr kumimoji="1" lang="en-US" altLang="ja-JP" sz="1050"/>
+              <a:t>n</a:t>
+            </a:r>
+            <a:endParaRPr kumimoji="1" lang="ja-JP" altLang="en-US" sz="1050"/>
+          </a:p>
+        </p:txBody>
+      </p:sp>
+      <p:sp>
+        <p:nvSpPr>
+          <p:cNvPr id="35" name="円弧 34">
+            <a:extLst>
+              <a:ext uri="{FF2B5EF4-FFF2-40B4-BE49-F238E27FC236}">
+                <a16:creationId xmlns:a16="http://schemas.microsoft.com/office/drawing/2014/main" id="{DA91D45C-6D44-AEAC-E49E-96718F2AE04A}"/>
+              </a:ext>
+            </a:extLst>
+          </p:cNvPr>
+          <p:cNvSpPr/>
+          <p:nvPr/>
+        </p:nvSpPr>
+        <p:spPr>
+          <a:xfrm rot="10327154">
+            <a:off x="6397236" y="3965014"/>
+            <a:ext cx="354584" cy="184063"/>
+          </a:xfrm>
+          <a:prstGeom prst="arc">
+            <a:avLst/>
+          </a:prstGeom>
+        </p:spPr>
+        <p:style>
+          <a:lnRef idx="2">
+            <a:schemeClr val="accent1"/>
+          </a:lnRef>
+          <a:fillRef idx="0">
+            <a:schemeClr val="accent1"/>
+          </a:fillRef>
+          <a:effectRef idx="1">
+            <a:schemeClr val="accent1"/>
+          </a:effectRef>
+          <a:fontRef idx="minor">
+            <a:schemeClr val="tx1"/>
+          </a:fontRef>
+        </p:style>
+        <p:txBody>
+          <a:bodyPr rtlCol="0" anchor="ctr"/>
+          <a:lstStyle/>
+          <a:p>
+            <a:pPr algn="ctr"/>
+            <a:endParaRPr kumimoji="1" lang="ja-JP" altLang="en-US" sz="2800"/>
+          </a:p>
+        </p:txBody>
+      </p:sp>
+      <p:sp>
+        <p:nvSpPr>
+          <p:cNvPr id="36" name="円弧 35">
+            <a:extLst>
+              <a:ext uri="{FF2B5EF4-FFF2-40B4-BE49-F238E27FC236}">
+                <a16:creationId xmlns:a16="http://schemas.microsoft.com/office/drawing/2014/main" id="{71DCAAB7-9EDB-C1A9-D9F6-F347648B48F7}"/>
+              </a:ext>
+            </a:extLst>
+          </p:cNvPr>
+          <p:cNvSpPr/>
+          <p:nvPr/>
+        </p:nvSpPr>
+        <p:spPr>
+          <a:xfrm rot="7470661">
+            <a:off x="6636034" y="3924500"/>
+            <a:ext cx="354584" cy="184063"/>
+          </a:xfrm>
+          <a:prstGeom prst="arc">
+            <a:avLst>
+              <a:gd name="adj1" fmla="val 16707134"/>
+              <a:gd name="adj2" fmla="val 175349"/>
+            </a:avLst>
+          </a:prstGeom>
+        </p:spPr>
+        <p:style>
+          <a:lnRef idx="2">
+            <a:schemeClr val="accent1"/>
+          </a:lnRef>
+          <a:fillRef idx="0">
+            <a:schemeClr val="accent1"/>
+          </a:fillRef>
+          <a:effectRef idx="1">
+            <a:schemeClr val="accent1"/>
+          </a:effectRef>
+          <a:fontRef idx="minor">
+            <a:schemeClr val="tx1"/>
+          </a:fontRef>
+        </p:style>
+        <p:txBody>
+          <a:bodyPr rtlCol="0" anchor="ctr"/>
+          <a:lstStyle/>
+          <a:p>
+            <a:pPr algn="ctr"/>
+            <a:endParaRPr kumimoji="1" lang="ja-JP" altLang="en-US" sz="2800"/>
+          </a:p>
+        </p:txBody>
+      </p:sp>
     </p:spTree>
     <p:extLst>
       <p:ext uri="{BB962C8B-B14F-4D97-AF65-F5344CB8AC3E}">
@@ -18434,7 +18701,7 @@
         </p:nvSpPr>
         <p:spPr>
           <a:xfrm>
-            <a:off x="462987" y="208344"/>
+            <a:off x="431090" y="282772"/>
             <a:ext cx="646331" cy="369332"/>
           </a:xfrm>
           <a:prstGeom prst="rect">
@@ -18452,6 +18719,2409 @@
               <a:rPr kumimoji="1" lang="ja-JP" altLang="en-US"/>
               <a:t>実装</a:t>
             </a:r>
+          </a:p>
+        </p:txBody>
+      </p:sp>
+      <p:sp>
+        <p:nvSpPr>
+          <p:cNvPr id="15" name="テキスト ボックス 14">
+            <a:extLst>
+              <a:ext uri="{FF2B5EF4-FFF2-40B4-BE49-F238E27FC236}">
+                <a16:creationId xmlns:a16="http://schemas.microsoft.com/office/drawing/2014/main" id="{C64AEA24-9769-035B-C72F-DE2D204F445E}"/>
+              </a:ext>
+            </a:extLst>
+          </p:cNvPr>
+          <p:cNvSpPr txBox="1"/>
+          <p:nvPr/>
+        </p:nvSpPr>
+        <p:spPr>
+          <a:xfrm>
+            <a:off x="925032" y="733646"/>
+            <a:ext cx="5724644" cy="369332"/>
+          </a:xfrm>
+          <a:prstGeom prst="rect">
+            <a:avLst/>
+          </a:prstGeom>
+          <a:noFill/>
+        </p:spPr>
+        <p:txBody>
+          <a:bodyPr wrap="none" rtlCol="0">
+            <a:spAutoFit/>
+          </a:bodyPr>
+          <a:lstStyle/>
+          <a:p>
+            <a:r>
+              <a:rPr kumimoji="1" lang="ja-JP" altLang="en-US"/>
+              <a:t>スライドに載らないので下のリンクから見てください</a:t>
+            </a:r>
+          </a:p>
+        </p:txBody>
+      </p:sp>
+      <p:sp>
+        <p:nvSpPr>
+          <p:cNvPr id="17" name="テキスト ボックス 16">
+            <a:extLst>
+              <a:ext uri="{FF2B5EF4-FFF2-40B4-BE49-F238E27FC236}">
+                <a16:creationId xmlns:a16="http://schemas.microsoft.com/office/drawing/2014/main" id="{1F444E8D-4385-3E1B-DFC6-C467A036D6BA}"/>
+              </a:ext>
+            </a:extLst>
+          </p:cNvPr>
+          <p:cNvSpPr txBox="1"/>
+          <p:nvPr/>
+        </p:nvSpPr>
+        <p:spPr>
+          <a:xfrm>
+            <a:off x="1077421" y="1184520"/>
+            <a:ext cx="1633881" cy="369332"/>
+          </a:xfrm>
+          <a:prstGeom prst="rect">
+            <a:avLst/>
+          </a:prstGeom>
+          <a:noFill/>
+        </p:spPr>
+        <p:txBody>
+          <a:bodyPr wrap="square">
+            <a:spAutoFit/>
+          </a:bodyPr>
+          <a:lstStyle/>
+          <a:p>
+            <a:r>
+              <a:rPr lang="en" altLang="ja-JP">
+                <a:hlinkClick r:id="rId2"/>
+              </a:rPr>
+              <a:t>Python</a:t>
+            </a:r>
+            <a:r>
+              <a:rPr lang="ja-JP" altLang="en-US">
+                <a:hlinkClick r:id="rId2"/>
+              </a:rPr>
+              <a:t>の実装</a:t>
+            </a:r>
+            <a:endParaRPr lang="ja-JP" altLang="en-US"/>
+          </a:p>
+        </p:txBody>
+      </p:sp>
+      <p:sp>
+        <p:nvSpPr>
+          <p:cNvPr id="19" name="テキスト ボックス 18">
+            <a:extLst>
+              <a:ext uri="{FF2B5EF4-FFF2-40B4-BE49-F238E27FC236}">
+                <a16:creationId xmlns:a16="http://schemas.microsoft.com/office/drawing/2014/main" id="{7D5953D6-44CA-CAE4-2994-498EBF6F14F5}"/>
+              </a:ext>
+            </a:extLst>
+          </p:cNvPr>
+          <p:cNvSpPr txBox="1"/>
+          <p:nvPr/>
+        </p:nvSpPr>
+        <p:spPr>
+          <a:xfrm>
+            <a:off x="3012546" y="1185006"/>
+            <a:ext cx="1367682" cy="369332"/>
+          </a:xfrm>
+          <a:prstGeom prst="rect">
+            <a:avLst/>
+          </a:prstGeom>
+          <a:noFill/>
+        </p:spPr>
+        <p:txBody>
+          <a:bodyPr wrap="none" rtlCol="0">
+            <a:spAutoFit/>
+          </a:bodyPr>
+          <a:lstStyle/>
+          <a:p>
+            <a:r>
+              <a:rPr kumimoji="1" lang="en-US" altLang="ja-JP">
+                <a:hlinkClick r:id="rId3"/>
+              </a:rPr>
+              <a:t>C++</a:t>
+            </a:r>
+            <a:r>
+              <a:rPr kumimoji="1" lang="ja-JP" altLang="en-US">
+                <a:hlinkClick r:id="rId3"/>
+              </a:rPr>
+              <a:t>の実装</a:t>
+            </a:r>
+            <a:endParaRPr kumimoji="1" lang="ja-JP" altLang="en-US"/>
+          </a:p>
+        </p:txBody>
+      </p:sp>
+      <p:sp>
+        <p:nvSpPr>
+          <p:cNvPr id="20" name="テキスト ボックス 19">
+            <a:extLst>
+              <a:ext uri="{FF2B5EF4-FFF2-40B4-BE49-F238E27FC236}">
+                <a16:creationId xmlns:a16="http://schemas.microsoft.com/office/drawing/2014/main" id="{B4482C95-316F-1DDF-6B48-97BB0C094A71}"/>
+              </a:ext>
+            </a:extLst>
+          </p:cNvPr>
+          <p:cNvSpPr txBox="1"/>
+          <p:nvPr/>
+        </p:nvSpPr>
+        <p:spPr>
+          <a:xfrm>
+            <a:off x="2286000" y="1864400"/>
+            <a:ext cx="8948283" cy="5016758"/>
+          </a:xfrm>
+          <a:prstGeom prst="rect">
+            <a:avLst/>
+          </a:prstGeom>
+          <a:solidFill>
+            <a:schemeClr val="tx1"/>
+          </a:solidFill>
+        </p:spPr>
+        <p:txBody>
+          <a:bodyPr wrap="none" rtlCol="0">
+            <a:spAutoFit/>
+          </a:bodyPr>
+          <a:lstStyle/>
+          <a:p>
+            <a:r>
+              <a:rPr lang="en" altLang="ja-JP" sz="1600" b="0">
+                <a:solidFill>
+                  <a:srgbClr val="CCCCCC"/>
+                </a:solidFill>
+                <a:effectLst/>
+                <a:highlight>
+                  <a:srgbClr val="1F1F1F"/>
+                </a:highlight>
+                <a:latin typeface="Menlo" panose="020B0609030804020204" pitchFamily="49" charset="0"/>
+              </a:rPr>
+              <a:t>dp[</a:t>
+            </a:r>
+            <a:r>
+              <a:rPr lang="en" altLang="ja-JP" sz="1600" b="0">
+                <a:solidFill>
+                  <a:srgbClr val="B5CEA8"/>
+                </a:solidFill>
+                <a:effectLst/>
+                <a:highlight>
+                  <a:srgbClr val="1F1F1F"/>
+                </a:highlight>
+                <a:latin typeface="Menlo" panose="020B0609030804020204" pitchFamily="49" charset="0"/>
+              </a:rPr>
+              <a:t>1</a:t>
+            </a:r>
+            <a:r>
+              <a:rPr lang="en" altLang="ja-JP" sz="1600" b="0">
+                <a:solidFill>
+                  <a:srgbClr val="D4D4D4"/>
+                </a:solidFill>
+                <a:effectLst/>
+                <a:highlight>
+                  <a:srgbClr val="1F1F1F"/>
+                </a:highlight>
+                <a:latin typeface="Menlo" panose="020B0609030804020204" pitchFamily="49" charset="0"/>
+              </a:rPr>
+              <a:t>&lt;&lt;</a:t>
+            </a:r>
+            <a:r>
+              <a:rPr lang="en" altLang="ja-JP" sz="1600" b="0">
+                <a:solidFill>
+                  <a:srgbClr val="CCCCCC"/>
+                </a:solidFill>
+                <a:effectLst/>
+                <a:highlight>
+                  <a:srgbClr val="1F1F1F"/>
+                </a:highlight>
+                <a:latin typeface="Menlo" panose="020B0609030804020204" pitchFamily="49" charset="0"/>
+              </a:rPr>
+              <a:t>n][n] (INF</a:t>
+            </a:r>
+            <a:r>
+              <a:rPr lang="ja-JP" altLang="en-US" sz="1600" b="0">
+                <a:solidFill>
+                  <a:srgbClr val="CCCCCC"/>
+                </a:solidFill>
+                <a:effectLst/>
+                <a:highlight>
+                  <a:srgbClr val="1F1F1F"/>
+                </a:highlight>
+                <a:latin typeface="Menlo" panose="020B0609030804020204" pitchFamily="49" charset="0"/>
+              </a:rPr>
+              <a:t>で初期化</a:t>
+            </a:r>
+            <a:r>
+              <a:rPr lang="en-US" altLang="ja-JP" sz="1600" b="0">
+                <a:solidFill>
+                  <a:srgbClr val="CCCCCC"/>
+                </a:solidFill>
+                <a:effectLst/>
+                <a:highlight>
+                  <a:srgbClr val="1F1F1F"/>
+                </a:highlight>
+                <a:latin typeface="Menlo" panose="020B0609030804020204" pitchFamily="49" charset="0"/>
+              </a:rPr>
+              <a:t>)</a:t>
+            </a:r>
+          </a:p>
+          <a:p>
+            <a:r>
+              <a:rPr lang="en-US" altLang="ja-JP" sz="1600" b="0">
+                <a:solidFill>
+                  <a:srgbClr val="6A9955"/>
+                </a:solidFill>
+                <a:effectLst/>
+                <a:highlight>
+                  <a:srgbClr val="1F1F1F"/>
+                </a:highlight>
+                <a:latin typeface="Menlo" panose="020B0609030804020204" pitchFamily="49" charset="0"/>
+              </a:rPr>
+              <a:t>#</a:t>
+            </a:r>
+            <a:r>
+              <a:rPr lang="ja-JP" altLang="en-US" sz="1600">
+                <a:solidFill>
+                  <a:srgbClr val="6A9955"/>
+                </a:solidFill>
+                <a:highlight>
+                  <a:srgbClr val="1F1F1F"/>
+                </a:highlight>
+                <a:latin typeface="Menlo" panose="020B0609030804020204" pitchFamily="49" charset="0"/>
+              </a:rPr>
+              <a:t>初期化</a:t>
+            </a:r>
+            <a:br>
+              <a:rPr lang="en-US" altLang="ja-JP" sz="1600" b="0">
+                <a:solidFill>
+                  <a:srgbClr val="CCCCCC"/>
+                </a:solidFill>
+                <a:effectLst/>
+                <a:highlight>
+                  <a:srgbClr val="1F1F1F"/>
+                </a:highlight>
+                <a:latin typeface="Menlo" panose="020B0609030804020204" pitchFamily="49" charset="0"/>
+              </a:rPr>
+            </a:br>
+            <a:r>
+              <a:rPr lang="en" altLang="ja-JP" sz="1600" b="0">
+                <a:solidFill>
+                  <a:srgbClr val="C586C0"/>
+                </a:solidFill>
+                <a:effectLst/>
+                <a:highlight>
+                  <a:srgbClr val="1F1F1F"/>
+                </a:highlight>
+                <a:latin typeface="Menlo" panose="020B0609030804020204" pitchFamily="49" charset="0"/>
+              </a:rPr>
+              <a:t>for</a:t>
+            </a:r>
+            <a:r>
+              <a:rPr lang="en" altLang="ja-JP" sz="1600" b="0">
+                <a:solidFill>
+                  <a:srgbClr val="CCCCCC"/>
+                </a:solidFill>
+                <a:effectLst/>
+                <a:highlight>
+                  <a:srgbClr val="1F1F1F"/>
+                </a:highlight>
+                <a:latin typeface="Menlo" panose="020B0609030804020204" pitchFamily="49" charset="0"/>
+              </a:rPr>
+              <a:t> (</a:t>
+            </a:r>
+            <a:r>
+              <a:rPr lang="en" altLang="ja-JP" sz="1600" b="0">
+                <a:solidFill>
+                  <a:srgbClr val="9CDCFE"/>
+                </a:solidFill>
+                <a:effectLst/>
+                <a:highlight>
+                  <a:srgbClr val="1F1F1F"/>
+                </a:highlight>
+                <a:latin typeface="Menlo" panose="020B0609030804020204" pitchFamily="49" charset="0"/>
+              </a:rPr>
+              <a:t>to</a:t>
+            </a:r>
+            <a:r>
+              <a:rPr lang="en" altLang="ja-JP" sz="1600" b="0">
+                <a:solidFill>
+                  <a:srgbClr val="CCCCCC"/>
+                </a:solidFill>
+                <a:effectLst/>
+                <a:highlight>
+                  <a:srgbClr val="1F1F1F"/>
+                </a:highlight>
+                <a:latin typeface="Menlo" panose="020B0609030804020204" pitchFamily="49" charset="0"/>
+              </a:rPr>
+              <a:t>,</a:t>
+            </a:r>
+            <a:r>
+              <a:rPr lang="en" altLang="ja-JP" sz="1600" b="0">
+                <a:solidFill>
+                  <a:srgbClr val="9CDCFE"/>
+                </a:solidFill>
+                <a:effectLst/>
+                <a:highlight>
+                  <a:srgbClr val="1F1F1F"/>
+                </a:highlight>
+                <a:latin typeface="Menlo" panose="020B0609030804020204" pitchFamily="49" charset="0"/>
+              </a:rPr>
+              <a:t>cost</a:t>
+            </a:r>
+            <a:r>
+              <a:rPr lang="en" altLang="ja-JP" sz="1600" b="0">
+                <a:solidFill>
+                  <a:srgbClr val="CCCCCC"/>
+                </a:solidFill>
+                <a:effectLst/>
+                <a:highlight>
+                  <a:srgbClr val="1F1F1F"/>
+                </a:highlight>
+                <a:latin typeface="Menlo" panose="020B0609030804020204" pitchFamily="49" charset="0"/>
+              </a:rPr>
+              <a:t>) </a:t>
+            </a:r>
+            <a:r>
+              <a:rPr lang="en" altLang="ja-JP" sz="1600" b="0">
+                <a:solidFill>
+                  <a:srgbClr val="C586C0"/>
+                </a:solidFill>
+                <a:effectLst/>
+                <a:highlight>
+                  <a:srgbClr val="1F1F1F"/>
+                </a:highlight>
+                <a:latin typeface="Menlo" panose="020B0609030804020204" pitchFamily="49" charset="0"/>
+              </a:rPr>
+              <a:t>in</a:t>
+            </a:r>
+            <a:r>
+              <a:rPr lang="en" altLang="ja-JP" sz="1600" b="0">
+                <a:solidFill>
+                  <a:srgbClr val="CCCCCC"/>
+                </a:solidFill>
+                <a:effectLst/>
+                <a:highlight>
+                  <a:srgbClr val="1F1F1F"/>
+                </a:highlight>
+                <a:latin typeface="Menlo" panose="020B0609030804020204" pitchFamily="49" charset="0"/>
+              </a:rPr>
+              <a:t> g[</a:t>
+            </a:r>
+            <a:r>
+              <a:rPr lang="en" altLang="ja-JP" sz="1600" b="0">
+                <a:solidFill>
+                  <a:srgbClr val="B5CEA8"/>
+                </a:solidFill>
+                <a:effectLst/>
+                <a:highlight>
+                  <a:srgbClr val="1F1F1F"/>
+                </a:highlight>
+                <a:latin typeface="Menlo" panose="020B0609030804020204" pitchFamily="49" charset="0"/>
+              </a:rPr>
+              <a:t>0</a:t>
+            </a:r>
+            <a:r>
+              <a:rPr lang="en" altLang="ja-JP" sz="1600" b="0">
+                <a:solidFill>
+                  <a:srgbClr val="CCCCCC"/>
+                </a:solidFill>
+                <a:effectLst/>
+                <a:highlight>
+                  <a:srgbClr val="1F1F1F"/>
+                </a:highlight>
+                <a:latin typeface="Menlo" panose="020B0609030804020204" pitchFamily="49" charset="0"/>
+              </a:rPr>
+              <a:t>]:</a:t>
+            </a:r>
+          </a:p>
+          <a:p>
+            <a:r>
+              <a:rPr lang="en" altLang="ja-JP" sz="1600" b="0">
+                <a:solidFill>
+                  <a:srgbClr val="CCCCCC"/>
+                </a:solidFill>
+                <a:effectLst/>
+                <a:highlight>
+                  <a:srgbClr val="1F1F1F"/>
+                </a:highlight>
+                <a:latin typeface="Menlo" panose="020B0609030804020204" pitchFamily="49" charset="0"/>
+              </a:rPr>
+              <a:t>  dp[</a:t>
+            </a:r>
+            <a:r>
+              <a:rPr lang="en" altLang="ja-JP" sz="1600" b="0">
+                <a:solidFill>
+                  <a:srgbClr val="B5CEA8"/>
+                </a:solidFill>
+                <a:effectLst/>
+                <a:highlight>
+                  <a:srgbClr val="1F1F1F"/>
+                </a:highlight>
+                <a:latin typeface="Menlo" panose="020B0609030804020204" pitchFamily="49" charset="0"/>
+              </a:rPr>
+              <a:t>1</a:t>
+            </a:r>
+            <a:r>
+              <a:rPr lang="en" altLang="ja-JP" sz="1600" b="0">
+                <a:solidFill>
+                  <a:srgbClr val="CCCCCC"/>
+                </a:solidFill>
+                <a:effectLst/>
+                <a:highlight>
+                  <a:srgbClr val="1F1F1F"/>
+                </a:highlight>
+                <a:latin typeface="Menlo" panose="020B0609030804020204" pitchFamily="49" charset="0"/>
+              </a:rPr>
+              <a:t> </a:t>
+            </a:r>
+            <a:r>
+              <a:rPr lang="en" altLang="ja-JP" sz="1600" b="0">
+                <a:solidFill>
+                  <a:srgbClr val="D4D4D4"/>
+                </a:solidFill>
+                <a:effectLst/>
+                <a:highlight>
+                  <a:srgbClr val="1F1F1F"/>
+                </a:highlight>
+                <a:latin typeface="Menlo" panose="020B0609030804020204" pitchFamily="49" charset="0"/>
+              </a:rPr>
+              <a:t>&lt;&lt;</a:t>
+            </a:r>
+            <a:r>
+              <a:rPr lang="en" altLang="ja-JP" sz="1600" b="0">
+                <a:solidFill>
+                  <a:srgbClr val="CCCCCC"/>
+                </a:solidFill>
+                <a:effectLst/>
+                <a:highlight>
+                  <a:srgbClr val="1F1F1F"/>
+                </a:highlight>
+                <a:latin typeface="Menlo" panose="020B0609030804020204" pitchFamily="49" charset="0"/>
+              </a:rPr>
+              <a:t> </a:t>
+            </a:r>
+            <a:r>
+              <a:rPr lang="en" altLang="ja-JP" sz="1600" b="0">
+                <a:solidFill>
+                  <a:srgbClr val="9CDCFE"/>
+                </a:solidFill>
+                <a:effectLst/>
+                <a:highlight>
+                  <a:srgbClr val="1F1F1F"/>
+                </a:highlight>
+                <a:latin typeface="Menlo" panose="020B0609030804020204" pitchFamily="49" charset="0"/>
+              </a:rPr>
+              <a:t>to</a:t>
+            </a:r>
+            <a:r>
+              <a:rPr lang="en" altLang="ja-JP" sz="1600" b="0">
+                <a:solidFill>
+                  <a:srgbClr val="CCCCCC"/>
+                </a:solidFill>
+                <a:effectLst/>
+                <a:highlight>
+                  <a:srgbClr val="1F1F1F"/>
+                </a:highlight>
+                <a:latin typeface="Menlo" panose="020B0609030804020204" pitchFamily="49" charset="0"/>
+              </a:rPr>
+              <a:t>][</a:t>
+            </a:r>
+            <a:r>
+              <a:rPr lang="en" altLang="ja-JP" sz="1600" b="0">
+                <a:solidFill>
+                  <a:srgbClr val="9CDCFE"/>
+                </a:solidFill>
+                <a:effectLst/>
+                <a:highlight>
+                  <a:srgbClr val="1F1F1F"/>
+                </a:highlight>
+                <a:latin typeface="Menlo" panose="020B0609030804020204" pitchFamily="49" charset="0"/>
+              </a:rPr>
+              <a:t>to</a:t>
+            </a:r>
+            <a:r>
+              <a:rPr lang="en" altLang="ja-JP" sz="1600" b="0">
+                <a:solidFill>
+                  <a:srgbClr val="CCCCCC"/>
+                </a:solidFill>
+                <a:effectLst/>
+                <a:highlight>
+                  <a:srgbClr val="1F1F1F"/>
+                </a:highlight>
+                <a:latin typeface="Menlo" panose="020B0609030804020204" pitchFamily="49" charset="0"/>
+              </a:rPr>
+              <a:t>] </a:t>
+            </a:r>
+            <a:r>
+              <a:rPr lang="en" altLang="ja-JP" sz="1600" b="0">
+                <a:solidFill>
+                  <a:srgbClr val="D4D4D4"/>
+                </a:solidFill>
+                <a:effectLst/>
+                <a:highlight>
+                  <a:srgbClr val="1F1F1F"/>
+                </a:highlight>
+                <a:latin typeface="Menlo" panose="020B0609030804020204" pitchFamily="49" charset="0"/>
+              </a:rPr>
+              <a:t>=</a:t>
+            </a:r>
+            <a:r>
+              <a:rPr lang="en" altLang="ja-JP" sz="1600" b="0">
+                <a:solidFill>
+                  <a:srgbClr val="CCCCCC"/>
+                </a:solidFill>
+                <a:effectLst/>
+                <a:highlight>
+                  <a:srgbClr val="1F1F1F"/>
+                </a:highlight>
+                <a:latin typeface="Menlo" panose="020B0609030804020204" pitchFamily="49" charset="0"/>
+              </a:rPr>
+              <a:t> </a:t>
+            </a:r>
+            <a:r>
+              <a:rPr lang="en" altLang="ja-JP" sz="1600" b="0">
+                <a:solidFill>
+                  <a:srgbClr val="9CDCFE"/>
+                </a:solidFill>
+                <a:effectLst/>
+                <a:highlight>
+                  <a:srgbClr val="1F1F1F"/>
+                </a:highlight>
+                <a:latin typeface="Menlo" panose="020B0609030804020204" pitchFamily="49" charset="0"/>
+              </a:rPr>
+              <a:t>cost</a:t>
+            </a:r>
+            <a:endParaRPr lang="en" altLang="ja-JP" sz="1600" b="0">
+              <a:solidFill>
+                <a:srgbClr val="CCCCCC"/>
+              </a:solidFill>
+              <a:effectLst/>
+              <a:highlight>
+                <a:srgbClr val="1F1F1F"/>
+              </a:highlight>
+              <a:latin typeface="Menlo" panose="020B0609030804020204" pitchFamily="49" charset="0"/>
+            </a:endParaRPr>
+          </a:p>
+          <a:p>
+            <a:br>
+              <a:rPr lang="en" altLang="ja-JP" sz="1600" b="0">
+                <a:solidFill>
+                  <a:srgbClr val="CCCCCC"/>
+                </a:solidFill>
+                <a:effectLst/>
+                <a:highlight>
+                  <a:srgbClr val="1F1F1F"/>
+                </a:highlight>
+                <a:latin typeface="Menlo" panose="020B0609030804020204" pitchFamily="49" charset="0"/>
+              </a:rPr>
+            </a:br>
+            <a:r>
+              <a:rPr lang="en" altLang="ja-JP" sz="1600" b="0">
+                <a:solidFill>
+                  <a:srgbClr val="C586C0"/>
+                </a:solidFill>
+                <a:effectLst/>
+                <a:highlight>
+                  <a:srgbClr val="1F1F1F"/>
+                </a:highlight>
+                <a:latin typeface="Menlo" panose="020B0609030804020204" pitchFamily="49" charset="0"/>
+              </a:rPr>
+              <a:t>for</a:t>
+            </a:r>
+            <a:r>
+              <a:rPr lang="en" altLang="ja-JP" sz="1600" b="0">
+                <a:solidFill>
+                  <a:srgbClr val="CCCCCC"/>
+                </a:solidFill>
+                <a:effectLst/>
+                <a:highlight>
+                  <a:srgbClr val="1F1F1F"/>
+                </a:highlight>
+                <a:latin typeface="Menlo" panose="020B0609030804020204" pitchFamily="49" charset="0"/>
+              </a:rPr>
+              <a:t> </a:t>
+            </a:r>
+            <a:r>
+              <a:rPr lang="en" altLang="ja-JP" sz="1600" b="0">
+                <a:solidFill>
+                  <a:srgbClr val="9CDCFE"/>
+                </a:solidFill>
+                <a:effectLst/>
+                <a:highlight>
+                  <a:srgbClr val="1F1F1F"/>
+                </a:highlight>
+                <a:latin typeface="Menlo" panose="020B0609030804020204" pitchFamily="49" charset="0"/>
+              </a:rPr>
+              <a:t>k</a:t>
+            </a:r>
+            <a:r>
+              <a:rPr lang="en" altLang="ja-JP" sz="1600" b="0">
+                <a:solidFill>
+                  <a:srgbClr val="CCCCCC"/>
+                </a:solidFill>
+                <a:effectLst/>
+                <a:highlight>
+                  <a:srgbClr val="1F1F1F"/>
+                </a:highlight>
+                <a:latin typeface="Menlo" panose="020B0609030804020204" pitchFamily="49" charset="0"/>
+              </a:rPr>
+              <a:t> = [</a:t>
+            </a:r>
+            <a:r>
+              <a:rPr lang="en" altLang="ja-JP" sz="1600" b="0">
+                <a:solidFill>
+                  <a:srgbClr val="B5CEA8"/>
+                </a:solidFill>
+                <a:effectLst/>
+                <a:highlight>
+                  <a:srgbClr val="1F1F1F"/>
+                </a:highlight>
+                <a:latin typeface="Menlo" panose="020B0609030804020204" pitchFamily="49" charset="0"/>
+              </a:rPr>
+              <a:t>0</a:t>
+            </a:r>
+            <a:r>
+              <a:rPr lang="en" altLang="ja-JP" sz="1600" b="0">
+                <a:solidFill>
+                  <a:srgbClr val="CCCCCC"/>
+                </a:solidFill>
+                <a:effectLst/>
+                <a:highlight>
+                  <a:srgbClr val="1F1F1F"/>
+                </a:highlight>
+                <a:latin typeface="Menlo" panose="020B0609030804020204" pitchFamily="49" charset="0"/>
+              </a:rPr>
+              <a:t>..n</a:t>
+            </a:r>
+            <a:r>
+              <a:rPr lang="en" altLang="ja-JP" sz="1600" b="0">
+                <a:solidFill>
+                  <a:srgbClr val="D4D4D4"/>
+                </a:solidFill>
+                <a:effectLst/>
+                <a:highlight>
+                  <a:srgbClr val="1F1F1F"/>
+                </a:highlight>
+                <a:latin typeface="Menlo" panose="020B0609030804020204" pitchFamily="49" charset="0"/>
+              </a:rPr>
+              <a:t>-</a:t>
+            </a:r>
+            <a:r>
+              <a:rPr lang="en" altLang="ja-JP" sz="1600" b="0">
+                <a:solidFill>
+                  <a:srgbClr val="B5CEA8"/>
+                </a:solidFill>
+                <a:effectLst/>
+                <a:highlight>
+                  <a:srgbClr val="1F1F1F"/>
+                </a:highlight>
+                <a:latin typeface="Menlo" panose="020B0609030804020204" pitchFamily="49" charset="0"/>
+              </a:rPr>
+              <a:t>1</a:t>
+            </a:r>
+            <a:r>
+              <a:rPr lang="en" altLang="ja-JP" sz="1600" b="0">
+                <a:solidFill>
+                  <a:srgbClr val="CCCCCC"/>
+                </a:solidFill>
+                <a:effectLst/>
+                <a:highlight>
+                  <a:srgbClr val="1F1F1F"/>
+                </a:highlight>
+                <a:latin typeface="Menlo" panose="020B0609030804020204" pitchFamily="49" charset="0"/>
+              </a:rPr>
+              <a:t>):</a:t>
+            </a:r>
+          </a:p>
+          <a:p>
+            <a:r>
+              <a:rPr lang="en" altLang="ja-JP" sz="1600" b="0">
+                <a:solidFill>
+                  <a:srgbClr val="C586C0"/>
+                </a:solidFill>
+                <a:effectLst/>
+                <a:highlight>
+                  <a:srgbClr val="1F1F1F"/>
+                </a:highlight>
+                <a:latin typeface="Menlo" panose="020B0609030804020204" pitchFamily="49" charset="0"/>
+              </a:rPr>
+              <a:t>  for</a:t>
+            </a:r>
+            <a:r>
+              <a:rPr lang="en" altLang="ja-JP" sz="1600" b="0">
+                <a:solidFill>
+                  <a:srgbClr val="CCCCCC"/>
+                </a:solidFill>
+                <a:effectLst/>
+                <a:highlight>
+                  <a:srgbClr val="1F1F1F"/>
+                </a:highlight>
+                <a:latin typeface="Menlo" panose="020B0609030804020204" pitchFamily="49" charset="0"/>
+              </a:rPr>
+              <a:t> </a:t>
+            </a:r>
+            <a:r>
+              <a:rPr lang="en" altLang="ja-JP" sz="1600" b="0">
+                <a:solidFill>
+                  <a:srgbClr val="9CDCFE"/>
+                </a:solidFill>
+                <a:effectLst/>
+                <a:highlight>
+                  <a:srgbClr val="1F1F1F"/>
+                </a:highlight>
+                <a:latin typeface="Menlo" panose="020B0609030804020204" pitchFamily="49" charset="0"/>
+              </a:rPr>
+              <a:t>i</a:t>
+            </a:r>
+            <a:r>
+              <a:rPr lang="en" altLang="ja-JP" sz="1600" b="0">
+                <a:solidFill>
+                  <a:srgbClr val="CCCCCC"/>
+                </a:solidFill>
+                <a:effectLst/>
+                <a:highlight>
+                  <a:srgbClr val="1F1F1F"/>
+                </a:highlight>
+                <a:latin typeface="Menlo" panose="020B0609030804020204" pitchFamily="49" charset="0"/>
+              </a:rPr>
+              <a:t> = [</a:t>
+            </a:r>
+            <a:r>
+              <a:rPr lang="en" altLang="ja-JP" sz="1600" b="0">
+                <a:solidFill>
+                  <a:srgbClr val="B5CEA8"/>
+                </a:solidFill>
+                <a:effectLst/>
+                <a:highlight>
+                  <a:srgbClr val="1F1F1F"/>
+                </a:highlight>
+                <a:latin typeface="Menlo" panose="020B0609030804020204" pitchFamily="49" charset="0"/>
+              </a:rPr>
+              <a:t>0</a:t>
+            </a:r>
+            <a:r>
+              <a:rPr lang="en" altLang="ja-JP" sz="1600" b="0">
+                <a:solidFill>
+                  <a:srgbClr val="CCCCCC"/>
+                </a:solidFill>
+                <a:effectLst/>
+                <a:highlight>
+                  <a:srgbClr val="1F1F1F"/>
+                </a:highlight>
+                <a:latin typeface="Menlo" panose="020B0609030804020204" pitchFamily="49" charset="0"/>
+              </a:rPr>
+              <a:t>.</a:t>
+            </a:r>
+            <a:r>
+              <a:rPr lang="en" altLang="ja-JP" sz="1600" b="0">
+                <a:solidFill>
+                  <a:srgbClr val="B5CEA8"/>
+                </a:solidFill>
+                <a:effectLst/>
+                <a:highlight>
+                  <a:srgbClr val="1F1F1F"/>
+                </a:highlight>
+                <a:latin typeface="Menlo" panose="020B0609030804020204" pitchFamily="49" charset="0"/>
+              </a:rPr>
+              <a:t>.1</a:t>
+            </a:r>
+            <a:r>
+              <a:rPr lang="en" altLang="ja-JP" sz="1600" b="0">
+                <a:solidFill>
+                  <a:srgbClr val="D4D4D4"/>
+                </a:solidFill>
+                <a:effectLst/>
+                <a:highlight>
+                  <a:srgbClr val="1F1F1F"/>
+                </a:highlight>
+                <a:latin typeface="Menlo" panose="020B0609030804020204" pitchFamily="49" charset="0"/>
+              </a:rPr>
+              <a:t>&lt;&lt;</a:t>
+            </a:r>
+            <a:r>
+              <a:rPr lang="en" altLang="ja-JP" sz="1600" b="0">
+                <a:solidFill>
+                  <a:srgbClr val="CCCCCC"/>
+                </a:solidFill>
+                <a:effectLst/>
+                <a:highlight>
+                  <a:srgbClr val="1F1F1F"/>
+                </a:highlight>
+                <a:latin typeface="Menlo" panose="020B0609030804020204" pitchFamily="49" charset="0"/>
+              </a:rPr>
+              <a:t>n):</a:t>
+            </a:r>
+          </a:p>
+          <a:p>
+            <a:r>
+              <a:rPr lang="en" altLang="ja-JP" sz="1600" b="0">
+                <a:solidFill>
+                  <a:srgbClr val="C586C0"/>
+                </a:solidFill>
+                <a:effectLst/>
+                <a:highlight>
+                  <a:srgbClr val="1F1F1F"/>
+                </a:highlight>
+                <a:latin typeface="Menlo" panose="020B0609030804020204" pitchFamily="49" charset="0"/>
+              </a:rPr>
+              <a:t>    if</a:t>
+            </a:r>
+            <a:r>
+              <a:rPr lang="en" altLang="ja-JP" sz="1600" b="0">
+                <a:solidFill>
+                  <a:srgbClr val="CCCCCC"/>
+                </a:solidFill>
+                <a:effectLst/>
+                <a:highlight>
+                  <a:srgbClr val="1F1F1F"/>
+                </a:highlight>
+                <a:latin typeface="Menlo" panose="020B0609030804020204" pitchFamily="49" charset="0"/>
+              </a:rPr>
+              <a:t> i</a:t>
+            </a:r>
+            <a:r>
+              <a:rPr lang="ja-JP" altLang="en-US" sz="1600" b="0">
+                <a:solidFill>
+                  <a:srgbClr val="CCCCCC"/>
+                </a:solidFill>
+                <a:effectLst/>
+                <a:highlight>
+                  <a:srgbClr val="1F1F1F"/>
+                </a:highlight>
+                <a:latin typeface="Menlo" panose="020B0609030804020204" pitchFamily="49" charset="0"/>
+              </a:rPr>
+              <a:t>の立ってるビット数 </a:t>
+            </a:r>
+            <a:r>
+              <a:rPr lang="en-US" altLang="ja-JP" sz="1600" b="0">
+                <a:solidFill>
+                  <a:srgbClr val="D4D4D4"/>
+                </a:solidFill>
+                <a:effectLst/>
+                <a:highlight>
+                  <a:srgbClr val="1F1F1F"/>
+                </a:highlight>
+                <a:latin typeface="Menlo" panose="020B0609030804020204" pitchFamily="49" charset="0"/>
+              </a:rPr>
+              <a:t>!=</a:t>
+            </a:r>
+            <a:r>
+              <a:rPr lang="ja-JP" altLang="en-US" sz="1600" b="0">
+                <a:solidFill>
+                  <a:srgbClr val="CCCCCC"/>
+                </a:solidFill>
+                <a:effectLst/>
+                <a:highlight>
+                  <a:srgbClr val="1F1F1F"/>
+                </a:highlight>
+                <a:latin typeface="Menlo" panose="020B0609030804020204" pitchFamily="49" charset="0"/>
+              </a:rPr>
+              <a:t> </a:t>
+            </a:r>
+            <a:r>
+              <a:rPr lang="en" altLang="ja-JP" sz="1600" b="0">
+                <a:solidFill>
+                  <a:srgbClr val="9CDCFE"/>
+                </a:solidFill>
+                <a:effectLst/>
+                <a:highlight>
+                  <a:srgbClr val="1F1F1F"/>
+                </a:highlight>
+                <a:latin typeface="Menlo" panose="020B0609030804020204" pitchFamily="49" charset="0"/>
+              </a:rPr>
+              <a:t>k</a:t>
+            </a:r>
+            <a:r>
+              <a:rPr lang="en" altLang="ja-JP" sz="1600" b="0">
+                <a:solidFill>
+                  <a:srgbClr val="CCCCCC"/>
+                </a:solidFill>
+                <a:effectLst/>
+                <a:highlight>
+                  <a:srgbClr val="1F1F1F"/>
+                </a:highlight>
+                <a:latin typeface="Menlo" panose="020B0609030804020204" pitchFamily="49" charset="0"/>
+              </a:rPr>
+              <a:t>: </a:t>
+            </a:r>
+            <a:r>
+              <a:rPr lang="en" altLang="ja-JP" sz="1600" b="0">
+                <a:solidFill>
+                  <a:srgbClr val="C586C0"/>
+                </a:solidFill>
+                <a:effectLst/>
+                <a:highlight>
+                  <a:srgbClr val="1F1F1F"/>
+                </a:highlight>
+                <a:latin typeface="Menlo" panose="020B0609030804020204" pitchFamily="49" charset="0"/>
+              </a:rPr>
+              <a:t>continue</a:t>
+            </a:r>
+            <a:endParaRPr lang="en" altLang="ja-JP" sz="1600" b="0">
+              <a:solidFill>
+                <a:srgbClr val="CCCCCC"/>
+              </a:solidFill>
+              <a:effectLst/>
+              <a:highlight>
+                <a:srgbClr val="1F1F1F"/>
+              </a:highlight>
+              <a:latin typeface="Menlo" panose="020B0609030804020204" pitchFamily="49" charset="0"/>
+            </a:endParaRPr>
+          </a:p>
+          <a:p>
+            <a:r>
+              <a:rPr lang="en" altLang="ja-JP" sz="1600" b="0">
+                <a:solidFill>
+                  <a:srgbClr val="C586C0"/>
+                </a:solidFill>
+                <a:effectLst/>
+                <a:highlight>
+                  <a:srgbClr val="1F1F1F"/>
+                </a:highlight>
+                <a:latin typeface="Menlo" panose="020B0609030804020204" pitchFamily="49" charset="0"/>
+              </a:rPr>
+              <a:t>    for</a:t>
+            </a:r>
+            <a:r>
+              <a:rPr lang="en" altLang="ja-JP" sz="1600" b="0">
+                <a:solidFill>
+                  <a:srgbClr val="CCCCCC"/>
+                </a:solidFill>
+                <a:effectLst/>
+                <a:highlight>
+                  <a:srgbClr val="1F1F1F"/>
+                </a:highlight>
+                <a:latin typeface="Menlo" panose="020B0609030804020204" pitchFamily="49" charset="0"/>
+              </a:rPr>
+              <a:t> </a:t>
+            </a:r>
+            <a:r>
+              <a:rPr lang="en" altLang="ja-JP" sz="1600" b="0">
+                <a:solidFill>
+                  <a:srgbClr val="9CDCFE"/>
+                </a:solidFill>
+                <a:effectLst/>
+                <a:highlight>
+                  <a:srgbClr val="1F1F1F"/>
+                </a:highlight>
+                <a:latin typeface="Menlo" panose="020B0609030804020204" pitchFamily="49" charset="0"/>
+              </a:rPr>
+              <a:t>j</a:t>
+            </a:r>
+            <a:r>
+              <a:rPr lang="en" altLang="ja-JP" sz="1600" b="0">
+                <a:solidFill>
+                  <a:srgbClr val="CCCCCC"/>
+                </a:solidFill>
+                <a:effectLst/>
+                <a:highlight>
+                  <a:srgbClr val="1F1F1F"/>
+                </a:highlight>
+                <a:latin typeface="Menlo" panose="020B0609030804020204" pitchFamily="49" charset="0"/>
+              </a:rPr>
+              <a:t> = [</a:t>
+            </a:r>
+            <a:r>
+              <a:rPr lang="en" altLang="ja-JP" sz="1600" b="0">
+                <a:solidFill>
+                  <a:srgbClr val="B5CEA8"/>
+                </a:solidFill>
+                <a:effectLst/>
+                <a:highlight>
+                  <a:srgbClr val="1F1F1F"/>
+                </a:highlight>
+                <a:latin typeface="Menlo" panose="020B0609030804020204" pitchFamily="49" charset="0"/>
+              </a:rPr>
+              <a:t>0</a:t>
+            </a:r>
+            <a:r>
+              <a:rPr lang="en" altLang="ja-JP" sz="1600" b="0">
+                <a:solidFill>
+                  <a:srgbClr val="CCCCCC"/>
+                </a:solidFill>
+                <a:effectLst/>
+                <a:highlight>
+                  <a:srgbClr val="1F1F1F"/>
+                </a:highlight>
+                <a:latin typeface="Menlo" panose="020B0609030804020204" pitchFamily="49" charset="0"/>
+              </a:rPr>
+              <a:t>..n):</a:t>
+            </a:r>
+          </a:p>
+          <a:p>
+            <a:r>
+              <a:rPr lang="en" altLang="ja-JP" sz="1600" b="0">
+                <a:solidFill>
+                  <a:srgbClr val="C586C0"/>
+                </a:solidFill>
+                <a:effectLst/>
+                <a:highlight>
+                  <a:srgbClr val="1F1F1F"/>
+                </a:highlight>
+                <a:latin typeface="Menlo" panose="020B0609030804020204" pitchFamily="49" charset="0"/>
+              </a:rPr>
+              <a:t>      if</a:t>
+            </a:r>
+            <a:r>
+              <a:rPr lang="en" altLang="ja-JP" sz="1600" b="0">
+                <a:solidFill>
+                  <a:srgbClr val="CCCCCC"/>
+                </a:solidFill>
+                <a:effectLst/>
+                <a:highlight>
+                  <a:srgbClr val="1F1F1F"/>
+                </a:highlight>
+                <a:latin typeface="Menlo" panose="020B0609030804020204" pitchFamily="49" charset="0"/>
+              </a:rPr>
+              <a:t> i</a:t>
+            </a:r>
+            <a:r>
+              <a:rPr lang="ja-JP" altLang="en-US" sz="1600" b="0">
+                <a:solidFill>
+                  <a:srgbClr val="CCCCCC"/>
+                </a:solidFill>
+                <a:effectLst/>
+                <a:highlight>
+                  <a:srgbClr val="1F1F1F"/>
+                </a:highlight>
+                <a:latin typeface="Menlo" panose="020B0609030804020204" pitchFamily="49" charset="0"/>
+              </a:rPr>
+              <a:t>の</a:t>
+            </a:r>
+            <a:r>
+              <a:rPr lang="en" altLang="ja-JP" sz="1600" b="0">
+                <a:solidFill>
+                  <a:srgbClr val="CCCCCC"/>
+                </a:solidFill>
+                <a:effectLst/>
+                <a:highlight>
+                  <a:srgbClr val="1F1F1F"/>
+                </a:highlight>
+                <a:latin typeface="Menlo" panose="020B0609030804020204" pitchFamily="49" charset="0"/>
+              </a:rPr>
+              <a:t>j</a:t>
+            </a:r>
+            <a:r>
+              <a:rPr lang="ja-JP" altLang="en-US" sz="1600" b="0">
+                <a:solidFill>
+                  <a:srgbClr val="CCCCCC"/>
+                </a:solidFill>
+                <a:effectLst/>
+                <a:highlight>
+                  <a:srgbClr val="1F1F1F"/>
+                </a:highlight>
+                <a:latin typeface="Menlo" panose="020B0609030804020204" pitchFamily="49" charset="0"/>
+              </a:rPr>
+              <a:t>ビット目が</a:t>
+            </a:r>
+            <a:r>
+              <a:rPr lang="en-US" altLang="ja-JP" sz="1600" b="0">
+                <a:solidFill>
+                  <a:srgbClr val="CCCCCC"/>
+                </a:solidFill>
+                <a:effectLst/>
+                <a:highlight>
+                  <a:srgbClr val="1F1F1F"/>
+                </a:highlight>
+                <a:latin typeface="Menlo" panose="020B0609030804020204" pitchFamily="49" charset="0"/>
+              </a:rPr>
+              <a:t>0: </a:t>
+            </a:r>
+            <a:r>
+              <a:rPr lang="en" altLang="ja-JP" sz="1600" b="0">
+                <a:solidFill>
+                  <a:srgbClr val="C586C0"/>
+                </a:solidFill>
+                <a:effectLst/>
+                <a:highlight>
+                  <a:srgbClr val="1F1F1F"/>
+                </a:highlight>
+                <a:latin typeface="Menlo" panose="020B0609030804020204" pitchFamily="49" charset="0"/>
+              </a:rPr>
+              <a:t>continue</a:t>
+            </a:r>
+            <a:endParaRPr lang="en" altLang="ja-JP" sz="1600" b="0">
+              <a:solidFill>
+                <a:srgbClr val="CCCCCC"/>
+              </a:solidFill>
+              <a:effectLst/>
+              <a:highlight>
+                <a:srgbClr val="1F1F1F"/>
+              </a:highlight>
+              <a:latin typeface="Menlo" panose="020B0609030804020204" pitchFamily="49" charset="0"/>
+            </a:endParaRPr>
+          </a:p>
+          <a:p>
+            <a:r>
+              <a:rPr lang="en" altLang="ja-JP" sz="1600" b="0">
+                <a:solidFill>
+                  <a:srgbClr val="C586C0"/>
+                </a:solidFill>
+                <a:effectLst/>
+                <a:highlight>
+                  <a:srgbClr val="1F1F1F"/>
+                </a:highlight>
+                <a:latin typeface="Menlo" panose="020B0609030804020204" pitchFamily="49" charset="0"/>
+              </a:rPr>
+              <a:t>      if</a:t>
+            </a:r>
+            <a:r>
+              <a:rPr lang="en" altLang="ja-JP" sz="1600" b="0">
+                <a:solidFill>
+                  <a:srgbClr val="CCCCCC"/>
+                </a:solidFill>
+                <a:effectLst/>
+                <a:highlight>
+                  <a:srgbClr val="1F1F1F"/>
+                </a:highlight>
+                <a:latin typeface="Menlo" panose="020B0609030804020204" pitchFamily="49" charset="0"/>
+              </a:rPr>
+              <a:t> dp[</a:t>
+            </a:r>
+            <a:r>
+              <a:rPr lang="en" altLang="ja-JP" sz="1600" b="0">
+                <a:solidFill>
+                  <a:srgbClr val="9CDCFE"/>
+                </a:solidFill>
+                <a:effectLst/>
+                <a:highlight>
+                  <a:srgbClr val="1F1F1F"/>
+                </a:highlight>
+                <a:latin typeface="Menlo" panose="020B0609030804020204" pitchFamily="49" charset="0"/>
+              </a:rPr>
+              <a:t>i</a:t>
+            </a:r>
+            <a:r>
+              <a:rPr lang="en" altLang="ja-JP" sz="1600" b="0">
+                <a:solidFill>
+                  <a:srgbClr val="CCCCCC"/>
+                </a:solidFill>
+                <a:effectLst/>
+                <a:highlight>
+                  <a:srgbClr val="1F1F1F"/>
+                </a:highlight>
+                <a:latin typeface="Menlo" panose="020B0609030804020204" pitchFamily="49" charset="0"/>
+              </a:rPr>
+              <a:t>][</a:t>
+            </a:r>
+            <a:r>
+              <a:rPr lang="en" altLang="ja-JP" sz="1600" b="0">
+                <a:solidFill>
+                  <a:srgbClr val="9CDCFE"/>
+                </a:solidFill>
+                <a:effectLst/>
+                <a:highlight>
+                  <a:srgbClr val="1F1F1F"/>
+                </a:highlight>
+                <a:latin typeface="Menlo" panose="020B0609030804020204" pitchFamily="49" charset="0"/>
+              </a:rPr>
+              <a:t>j</a:t>
+            </a:r>
+            <a:r>
+              <a:rPr lang="en" altLang="ja-JP" sz="1600" b="0">
+                <a:solidFill>
+                  <a:srgbClr val="CCCCCC"/>
+                </a:solidFill>
+                <a:effectLst/>
+                <a:highlight>
+                  <a:srgbClr val="1F1F1F"/>
+                </a:highlight>
+                <a:latin typeface="Menlo" panose="020B0609030804020204" pitchFamily="49" charset="0"/>
+              </a:rPr>
+              <a:t>]</a:t>
+            </a:r>
+            <a:r>
+              <a:rPr lang="ja-JP" altLang="en-US" sz="1600" b="0">
+                <a:solidFill>
+                  <a:srgbClr val="CCCCCC"/>
+                </a:solidFill>
+                <a:effectLst/>
+                <a:highlight>
+                  <a:srgbClr val="1F1F1F"/>
+                </a:highlight>
+                <a:latin typeface="Menlo" panose="020B0609030804020204" pitchFamily="49" charset="0"/>
+              </a:rPr>
+              <a:t>が</a:t>
+            </a:r>
+            <a:r>
+              <a:rPr lang="en" altLang="ja-JP" sz="1600" b="0">
+                <a:solidFill>
+                  <a:srgbClr val="CCCCCC"/>
+                </a:solidFill>
+                <a:effectLst/>
+                <a:highlight>
+                  <a:srgbClr val="1F1F1F"/>
+                </a:highlight>
+                <a:latin typeface="Menlo" panose="020B0609030804020204" pitchFamily="49" charset="0"/>
+              </a:rPr>
+              <a:t>INF</a:t>
+            </a:r>
+            <a:r>
+              <a:rPr lang="ja-JP" altLang="en-US" sz="1600" b="0">
+                <a:solidFill>
+                  <a:srgbClr val="CCCCCC"/>
+                </a:solidFill>
+                <a:effectLst/>
+                <a:highlight>
+                  <a:srgbClr val="1F1F1F"/>
+                </a:highlight>
+                <a:latin typeface="Menlo" panose="020B0609030804020204" pitchFamily="49" charset="0"/>
+              </a:rPr>
+              <a:t>のまま</a:t>
+            </a:r>
+            <a:r>
+              <a:rPr lang="en-US" altLang="ja-JP" sz="1600" b="0">
+                <a:solidFill>
+                  <a:srgbClr val="CCCCCC"/>
+                </a:solidFill>
+                <a:effectLst/>
+                <a:highlight>
+                  <a:srgbClr val="1F1F1F"/>
+                </a:highlight>
+                <a:latin typeface="Menlo" panose="020B0609030804020204" pitchFamily="49" charset="0"/>
+              </a:rPr>
+              <a:t>(</a:t>
+            </a:r>
+            <a:r>
+              <a:rPr lang="ja-JP" altLang="en-US" sz="1600" b="0">
+                <a:solidFill>
+                  <a:srgbClr val="CCCCCC"/>
+                </a:solidFill>
+                <a:effectLst/>
+                <a:highlight>
+                  <a:srgbClr val="1F1F1F"/>
+                </a:highlight>
+                <a:latin typeface="Menlo" panose="020B0609030804020204" pitchFamily="49" charset="0"/>
+              </a:rPr>
+              <a:t>到達しなかった</a:t>
+            </a:r>
+            <a:r>
+              <a:rPr lang="en-US" altLang="ja-JP" sz="1600" b="0">
+                <a:solidFill>
+                  <a:srgbClr val="CCCCCC"/>
+                </a:solidFill>
+                <a:effectLst/>
+                <a:highlight>
+                  <a:srgbClr val="1F1F1F"/>
+                </a:highlight>
+                <a:latin typeface="Menlo" panose="020B0609030804020204" pitchFamily="49" charset="0"/>
+              </a:rPr>
+              <a:t>):</a:t>
+            </a:r>
+            <a:r>
+              <a:rPr lang="en" altLang="ja-JP" sz="1600" b="0">
+                <a:solidFill>
+                  <a:srgbClr val="C586C0"/>
+                </a:solidFill>
+                <a:effectLst/>
+                <a:highlight>
+                  <a:srgbClr val="1F1F1F"/>
+                </a:highlight>
+                <a:latin typeface="Menlo" panose="020B0609030804020204" pitchFamily="49" charset="0"/>
+              </a:rPr>
+              <a:t>continue</a:t>
+            </a:r>
+            <a:endParaRPr lang="en" altLang="ja-JP" sz="1600" b="0">
+              <a:solidFill>
+                <a:srgbClr val="CCCCCC"/>
+              </a:solidFill>
+              <a:effectLst/>
+              <a:highlight>
+                <a:srgbClr val="1F1F1F"/>
+              </a:highlight>
+              <a:latin typeface="Menlo" panose="020B0609030804020204" pitchFamily="49" charset="0"/>
+            </a:endParaRPr>
+          </a:p>
+          <a:p>
+            <a:r>
+              <a:rPr lang="en" altLang="ja-JP" sz="1600" b="0">
+                <a:solidFill>
+                  <a:srgbClr val="C586C0"/>
+                </a:solidFill>
+                <a:effectLst/>
+                <a:highlight>
+                  <a:srgbClr val="1F1F1F"/>
+                </a:highlight>
+                <a:latin typeface="Menlo" panose="020B0609030804020204" pitchFamily="49" charset="0"/>
+              </a:rPr>
+              <a:t>      for</a:t>
+            </a:r>
+            <a:r>
+              <a:rPr lang="en" altLang="ja-JP" sz="1600" b="0">
+                <a:solidFill>
+                  <a:srgbClr val="CCCCCC"/>
+                </a:solidFill>
+                <a:effectLst/>
+                <a:highlight>
+                  <a:srgbClr val="1F1F1F"/>
+                </a:highlight>
+                <a:latin typeface="Menlo" panose="020B0609030804020204" pitchFamily="49" charset="0"/>
+              </a:rPr>
+              <a:t> (</a:t>
+            </a:r>
+            <a:r>
+              <a:rPr lang="en" altLang="ja-JP" sz="1600" b="0">
+                <a:solidFill>
+                  <a:srgbClr val="9CDCFE"/>
+                </a:solidFill>
+                <a:effectLst/>
+                <a:highlight>
+                  <a:srgbClr val="1F1F1F"/>
+                </a:highlight>
+                <a:latin typeface="Menlo" panose="020B0609030804020204" pitchFamily="49" charset="0"/>
+              </a:rPr>
+              <a:t>to</a:t>
+            </a:r>
+            <a:r>
+              <a:rPr lang="en" altLang="ja-JP" sz="1600" b="0">
+                <a:solidFill>
+                  <a:srgbClr val="CCCCCC"/>
+                </a:solidFill>
+                <a:effectLst/>
+                <a:highlight>
+                  <a:srgbClr val="1F1F1F"/>
+                </a:highlight>
+                <a:latin typeface="Menlo" panose="020B0609030804020204" pitchFamily="49" charset="0"/>
+              </a:rPr>
+              <a:t>,</a:t>
+            </a:r>
+            <a:r>
+              <a:rPr lang="en" altLang="ja-JP" sz="1600" b="0">
+                <a:solidFill>
+                  <a:srgbClr val="9CDCFE"/>
+                </a:solidFill>
+                <a:effectLst/>
+                <a:highlight>
+                  <a:srgbClr val="1F1F1F"/>
+                </a:highlight>
+                <a:latin typeface="Menlo" panose="020B0609030804020204" pitchFamily="49" charset="0"/>
+              </a:rPr>
+              <a:t>cost</a:t>
+            </a:r>
+            <a:r>
+              <a:rPr lang="en" altLang="ja-JP" sz="1600" b="0">
+                <a:solidFill>
+                  <a:srgbClr val="CCCCCC"/>
+                </a:solidFill>
+                <a:effectLst/>
+                <a:highlight>
+                  <a:srgbClr val="1F1F1F"/>
+                </a:highlight>
+                <a:latin typeface="Menlo" panose="020B0609030804020204" pitchFamily="49" charset="0"/>
+              </a:rPr>
+              <a:t>) </a:t>
+            </a:r>
+            <a:r>
+              <a:rPr lang="en" altLang="ja-JP" sz="1600" b="0">
+                <a:solidFill>
+                  <a:srgbClr val="C586C0"/>
+                </a:solidFill>
+                <a:effectLst/>
+                <a:highlight>
+                  <a:srgbClr val="1F1F1F"/>
+                </a:highlight>
+                <a:latin typeface="Menlo" panose="020B0609030804020204" pitchFamily="49" charset="0"/>
+              </a:rPr>
+              <a:t>in</a:t>
+            </a:r>
+            <a:r>
+              <a:rPr lang="en" altLang="ja-JP" sz="1600" b="0">
+                <a:solidFill>
+                  <a:srgbClr val="CCCCCC"/>
+                </a:solidFill>
+                <a:effectLst/>
+                <a:highlight>
+                  <a:srgbClr val="1F1F1F"/>
+                </a:highlight>
+                <a:latin typeface="Menlo" panose="020B0609030804020204" pitchFamily="49" charset="0"/>
+              </a:rPr>
+              <a:t> g[</a:t>
+            </a:r>
+            <a:r>
+              <a:rPr lang="en" altLang="ja-JP" sz="1600" b="0">
+                <a:solidFill>
+                  <a:srgbClr val="9CDCFE"/>
+                </a:solidFill>
+                <a:effectLst/>
+                <a:highlight>
+                  <a:srgbClr val="1F1F1F"/>
+                </a:highlight>
+                <a:latin typeface="Menlo" panose="020B0609030804020204" pitchFamily="49" charset="0"/>
+              </a:rPr>
+              <a:t>j</a:t>
+            </a:r>
+            <a:r>
+              <a:rPr lang="en" altLang="ja-JP" sz="1600" b="0">
+                <a:solidFill>
+                  <a:srgbClr val="CCCCCC"/>
+                </a:solidFill>
+                <a:effectLst/>
+                <a:highlight>
+                  <a:srgbClr val="1F1F1F"/>
+                </a:highlight>
+                <a:latin typeface="Menlo" panose="020B0609030804020204" pitchFamily="49" charset="0"/>
+              </a:rPr>
+              <a:t>]:</a:t>
+            </a:r>
+          </a:p>
+          <a:p>
+            <a:r>
+              <a:rPr lang="en" altLang="ja-JP" sz="1600" b="0">
+                <a:solidFill>
+                  <a:srgbClr val="C586C0"/>
+                </a:solidFill>
+                <a:effectLst/>
+                <a:highlight>
+                  <a:srgbClr val="1F1F1F"/>
+                </a:highlight>
+                <a:latin typeface="Menlo" panose="020B0609030804020204" pitchFamily="49" charset="0"/>
+              </a:rPr>
+              <a:t>        if</a:t>
+            </a:r>
+            <a:r>
+              <a:rPr lang="en" altLang="ja-JP" sz="1600" b="0">
+                <a:solidFill>
+                  <a:srgbClr val="CCCCCC"/>
+                </a:solidFill>
+                <a:effectLst/>
+                <a:highlight>
+                  <a:srgbClr val="1F1F1F"/>
+                </a:highlight>
+                <a:latin typeface="Menlo" panose="020B0609030804020204" pitchFamily="49" charset="0"/>
+              </a:rPr>
+              <a:t> i</a:t>
+            </a:r>
+            <a:r>
+              <a:rPr lang="ja-JP" altLang="en-US" sz="1600" b="0">
+                <a:solidFill>
+                  <a:srgbClr val="CCCCCC"/>
+                </a:solidFill>
+                <a:effectLst/>
+                <a:highlight>
+                  <a:srgbClr val="1F1F1F"/>
+                </a:highlight>
+                <a:latin typeface="Menlo" panose="020B0609030804020204" pitchFamily="49" charset="0"/>
+              </a:rPr>
+              <a:t>の</a:t>
+            </a:r>
+            <a:r>
+              <a:rPr lang="en" altLang="ja-JP" sz="1600" b="0">
+                <a:solidFill>
+                  <a:srgbClr val="CCCCCC"/>
+                </a:solidFill>
+                <a:effectLst/>
+                <a:highlight>
+                  <a:srgbClr val="1F1F1F"/>
+                </a:highlight>
+                <a:latin typeface="Menlo" panose="020B0609030804020204" pitchFamily="49" charset="0"/>
+              </a:rPr>
+              <a:t>to</a:t>
+            </a:r>
+            <a:r>
+              <a:rPr lang="ja-JP" altLang="en-US" sz="1600" b="0">
+                <a:solidFill>
+                  <a:srgbClr val="CCCCCC"/>
+                </a:solidFill>
+                <a:effectLst/>
+                <a:highlight>
+                  <a:srgbClr val="1F1F1F"/>
+                </a:highlight>
+                <a:latin typeface="Menlo" panose="020B0609030804020204" pitchFamily="49" charset="0"/>
+              </a:rPr>
+              <a:t>ビット目が</a:t>
+            </a:r>
+            <a:r>
+              <a:rPr lang="en-US" altLang="ja-JP" sz="1600" b="0">
+                <a:solidFill>
+                  <a:srgbClr val="CCCCCC"/>
+                </a:solidFill>
+                <a:effectLst/>
+                <a:highlight>
+                  <a:srgbClr val="1F1F1F"/>
+                </a:highlight>
+                <a:latin typeface="Menlo" panose="020B0609030804020204" pitchFamily="49" charset="0"/>
+              </a:rPr>
+              <a:t>1 :</a:t>
+            </a:r>
+            <a:r>
+              <a:rPr lang="en" altLang="ja-JP" sz="1600" b="0">
+                <a:solidFill>
+                  <a:srgbClr val="C586C0"/>
+                </a:solidFill>
+                <a:effectLst/>
+                <a:highlight>
+                  <a:srgbClr val="1F1F1F"/>
+                </a:highlight>
+                <a:latin typeface="Menlo" panose="020B0609030804020204" pitchFamily="49" charset="0"/>
+              </a:rPr>
+              <a:t>continue</a:t>
+            </a:r>
+            <a:r>
+              <a:rPr lang="en" altLang="ja-JP" sz="1600" b="0">
+                <a:solidFill>
+                  <a:srgbClr val="CCCCCC"/>
+                </a:solidFill>
+                <a:effectLst/>
+                <a:highlight>
+                  <a:srgbClr val="1F1F1F"/>
+                </a:highlight>
+                <a:latin typeface="Menlo" panose="020B0609030804020204" pitchFamily="49" charset="0"/>
+              </a:rPr>
+              <a:t> </a:t>
+            </a:r>
+            <a:r>
+              <a:rPr lang="en" altLang="ja-JP" sz="1600" b="0">
+                <a:solidFill>
+                  <a:srgbClr val="6A9955"/>
+                </a:solidFill>
+                <a:effectLst/>
+                <a:highlight>
+                  <a:srgbClr val="1F1F1F"/>
+                </a:highlight>
+                <a:latin typeface="Menlo" panose="020B0609030804020204" pitchFamily="49" charset="0"/>
+              </a:rPr>
+              <a:t>#</a:t>
+            </a:r>
+            <a:r>
+              <a:rPr lang="ja-JP" altLang="en-US" sz="1600" b="0">
+                <a:solidFill>
+                  <a:srgbClr val="6A9955"/>
+                </a:solidFill>
+                <a:effectLst/>
+                <a:highlight>
+                  <a:srgbClr val="1F1F1F"/>
+                </a:highlight>
+                <a:latin typeface="Menlo" panose="020B0609030804020204" pitchFamily="49" charset="0"/>
+              </a:rPr>
+              <a:t>すでに通った</a:t>
+            </a:r>
+            <a:endParaRPr lang="ja-JP" altLang="en-US" sz="1600" b="0">
+              <a:solidFill>
+                <a:srgbClr val="CCCCCC"/>
+              </a:solidFill>
+              <a:effectLst/>
+              <a:highlight>
+                <a:srgbClr val="1F1F1F"/>
+              </a:highlight>
+              <a:latin typeface="Menlo" panose="020B0609030804020204" pitchFamily="49" charset="0"/>
+            </a:endParaRPr>
+          </a:p>
+          <a:p>
+            <a:r>
+              <a:rPr lang="en-US" altLang="ja-JP" sz="1600" b="0">
+                <a:solidFill>
+                  <a:srgbClr val="6A9955"/>
+                </a:solidFill>
+                <a:effectLst/>
+                <a:highlight>
+                  <a:srgbClr val="1F1F1F"/>
+                </a:highlight>
+                <a:latin typeface="Menlo" panose="020B0609030804020204" pitchFamily="49" charset="0"/>
+              </a:rPr>
+              <a:t>        #</a:t>
+            </a:r>
+            <a:r>
+              <a:rPr lang="ja-JP" altLang="en-US" sz="1600" b="0">
+                <a:solidFill>
+                  <a:srgbClr val="6A9955"/>
+                </a:solidFill>
+                <a:effectLst/>
+                <a:highlight>
+                  <a:srgbClr val="1F1F1F"/>
+                </a:highlight>
+                <a:latin typeface="Menlo" panose="020B0609030804020204" pitchFamily="49" charset="0"/>
+              </a:rPr>
+              <a:t>遷移</a:t>
+            </a:r>
+            <a:endParaRPr lang="ja-JP" altLang="en-US" sz="1600" b="0">
+              <a:solidFill>
+                <a:srgbClr val="CCCCCC"/>
+              </a:solidFill>
+              <a:effectLst/>
+              <a:highlight>
+                <a:srgbClr val="1F1F1F"/>
+              </a:highlight>
+              <a:latin typeface="Menlo" panose="020B0609030804020204" pitchFamily="49" charset="0"/>
+            </a:endParaRPr>
+          </a:p>
+          <a:p>
+            <a:r>
+              <a:rPr lang="en" altLang="ja-JP" sz="1600" b="0">
+                <a:solidFill>
+                  <a:srgbClr val="CCCCCC"/>
+                </a:solidFill>
+                <a:effectLst/>
+                <a:highlight>
+                  <a:srgbClr val="1F1F1F"/>
+                </a:highlight>
+                <a:latin typeface="Menlo" panose="020B0609030804020204" pitchFamily="49" charset="0"/>
+              </a:rPr>
+              <a:t>        dp[</a:t>
+            </a:r>
+            <a:r>
+              <a:rPr lang="en" altLang="ja-JP" sz="1600" b="0">
+                <a:solidFill>
+                  <a:srgbClr val="9CDCFE"/>
+                </a:solidFill>
+                <a:effectLst/>
+                <a:highlight>
+                  <a:srgbClr val="1F1F1F"/>
+                </a:highlight>
+                <a:latin typeface="Menlo" panose="020B0609030804020204" pitchFamily="49" charset="0"/>
+              </a:rPr>
+              <a:t>i</a:t>
+            </a:r>
+            <a:r>
+              <a:rPr lang="en" altLang="ja-JP" sz="1600" b="0">
+                <a:solidFill>
+                  <a:srgbClr val="CCCCCC"/>
+                </a:solidFill>
+                <a:effectLst/>
+                <a:highlight>
+                  <a:srgbClr val="1F1F1F"/>
+                </a:highlight>
+                <a:latin typeface="Menlo" panose="020B0609030804020204" pitchFamily="49" charset="0"/>
+              </a:rPr>
+              <a:t> </a:t>
+            </a:r>
+            <a:r>
+              <a:rPr lang="en" altLang="ja-JP" sz="1600" b="0">
+                <a:solidFill>
+                  <a:srgbClr val="D4D4D4"/>
+                </a:solidFill>
+                <a:effectLst/>
+                <a:highlight>
+                  <a:srgbClr val="1F1F1F"/>
+                </a:highlight>
+                <a:latin typeface="Menlo" panose="020B0609030804020204" pitchFamily="49" charset="0"/>
+              </a:rPr>
+              <a:t>+</a:t>
+            </a:r>
+            <a:r>
+              <a:rPr lang="en" altLang="ja-JP" sz="1600" b="0">
+                <a:solidFill>
+                  <a:srgbClr val="CCCCCC"/>
+                </a:solidFill>
+                <a:effectLst/>
+                <a:highlight>
+                  <a:srgbClr val="1F1F1F"/>
+                </a:highlight>
+                <a:latin typeface="Menlo" panose="020B0609030804020204" pitchFamily="49" charset="0"/>
+              </a:rPr>
+              <a:t>(</a:t>
+            </a:r>
+            <a:r>
+              <a:rPr lang="en" altLang="ja-JP" sz="1600" b="0">
+                <a:solidFill>
+                  <a:srgbClr val="B5CEA8"/>
+                </a:solidFill>
+                <a:effectLst/>
+                <a:highlight>
+                  <a:srgbClr val="1F1F1F"/>
+                </a:highlight>
+                <a:latin typeface="Menlo" panose="020B0609030804020204" pitchFamily="49" charset="0"/>
+              </a:rPr>
+              <a:t>1</a:t>
+            </a:r>
+            <a:r>
+              <a:rPr lang="en" altLang="ja-JP" sz="1600" b="0">
+                <a:solidFill>
+                  <a:srgbClr val="D4D4D4"/>
+                </a:solidFill>
+                <a:effectLst/>
+                <a:highlight>
+                  <a:srgbClr val="1F1F1F"/>
+                </a:highlight>
+                <a:latin typeface="Menlo" panose="020B0609030804020204" pitchFamily="49" charset="0"/>
+              </a:rPr>
+              <a:t>&lt;&lt;</a:t>
+            </a:r>
+            <a:r>
+              <a:rPr lang="en" altLang="ja-JP" sz="1600" b="0">
+                <a:solidFill>
+                  <a:srgbClr val="9CDCFE"/>
+                </a:solidFill>
+                <a:effectLst/>
+                <a:highlight>
+                  <a:srgbClr val="1F1F1F"/>
+                </a:highlight>
+                <a:latin typeface="Menlo" panose="020B0609030804020204" pitchFamily="49" charset="0"/>
+              </a:rPr>
+              <a:t>to</a:t>
+            </a:r>
+            <a:r>
+              <a:rPr lang="en" altLang="ja-JP" sz="1600" b="0">
+                <a:solidFill>
+                  <a:srgbClr val="CCCCCC"/>
+                </a:solidFill>
+                <a:effectLst/>
+                <a:highlight>
+                  <a:srgbClr val="1F1F1F"/>
+                </a:highlight>
+                <a:latin typeface="Menlo" panose="020B0609030804020204" pitchFamily="49" charset="0"/>
+              </a:rPr>
+              <a:t>)][</a:t>
+            </a:r>
+            <a:r>
+              <a:rPr lang="en" altLang="ja-JP" sz="1600" b="0">
+                <a:solidFill>
+                  <a:srgbClr val="9CDCFE"/>
+                </a:solidFill>
+                <a:effectLst/>
+                <a:highlight>
+                  <a:srgbClr val="1F1F1F"/>
+                </a:highlight>
+                <a:latin typeface="Menlo" panose="020B0609030804020204" pitchFamily="49" charset="0"/>
+              </a:rPr>
+              <a:t>to</a:t>
+            </a:r>
+            <a:r>
+              <a:rPr lang="en" altLang="ja-JP" sz="1600" b="0">
+                <a:solidFill>
+                  <a:srgbClr val="CCCCCC"/>
+                </a:solidFill>
+                <a:effectLst/>
+                <a:highlight>
+                  <a:srgbClr val="1F1F1F"/>
+                </a:highlight>
+                <a:latin typeface="Menlo" panose="020B0609030804020204" pitchFamily="49" charset="0"/>
+              </a:rPr>
+              <a:t>] = </a:t>
+            </a:r>
+            <a:r>
+              <a:rPr lang="en" altLang="ja-JP" sz="1600" b="0">
+                <a:solidFill>
+                  <a:srgbClr val="DCDCAA"/>
+                </a:solidFill>
+                <a:effectLst/>
+                <a:highlight>
+                  <a:srgbClr val="1F1F1F"/>
+                </a:highlight>
+                <a:latin typeface="Menlo" panose="020B0609030804020204" pitchFamily="49" charset="0"/>
+              </a:rPr>
+              <a:t>min</a:t>
+            </a:r>
+            <a:r>
+              <a:rPr lang="en" altLang="ja-JP" sz="1600" b="0">
+                <a:solidFill>
+                  <a:srgbClr val="CCCCCC"/>
+                </a:solidFill>
+                <a:effectLst/>
+                <a:highlight>
+                  <a:srgbClr val="1F1F1F"/>
+                </a:highlight>
+                <a:latin typeface="Menlo" panose="020B0609030804020204" pitchFamily="49" charset="0"/>
+              </a:rPr>
+              <a:t>(dp[</a:t>
+            </a:r>
+            <a:r>
+              <a:rPr lang="en" altLang="ja-JP" sz="1600" b="0">
+                <a:solidFill>
+                  <a:srgbClr val="9CDCFE"/>
+                </a:solidFill>
+                <a:effectLst/>
+                <a:highlight>
+                  <a:srgbClr val="1F1F1F"/>
+                </a:highlight>
+                <a:latin typeface="Menlo" panose="020B0609030804020204" pitchFamily="49" charset="0"/>
+              </a:rPr>
+              <a:t>i</a:t>
+            </a:r>
+            <a:r>
+              <a:rPr lang="en" altLang="ja-JP" sz="1600" b="0">
+                <a:solidFill>
+                  <a:srgbClr val="CCCCCC"/>
+                </a:solidFill>
+                <a:effectLst/>
+                <a:highlight>
+                  <a:srgbClr val="1F1F1F"/>
+                </a:highlight>
+                <a:latin typeface="Menlo" panose="020B0609030804020204" pitchFamily="49" charset="0"/>
+              </a:rPr>
+              <a:t> </a:t>
+            </a:r>
+            <a:r>
+              <a:rPr lang="en" altLang="ja-JP" sz="1600" b="0">
+                <a:solidFill>
+                  <a:srgbClr val="D4D4D4"/>
+                </a:solidFill>
+                <a:effectLst/>
+                <a:highlight>
+                  <a:srgbClr val="1F1F1F"/>
+                </a:highlight>
+                <a:latin typeface="Menlo" panose="020B0609030804020204" pitchFamily="49" charset="0"/>
+              </a:rPr>
+              <a:t>+</a:t>
+            </a:r>
+            <a:r>
+              <a:rPr lang="en" altLang="ja-JP" sz="1600" b="0">
+                <a:solidFill>
+                  <a:srgbClr val="CCCCCC"/>
+                </a:solidFill>
+                <a:effectLst/>
+                <a:highlight>
+                  <a:srgbClr val="1F1F1F"/>
+                </a:highlight>
+                <a:latin typeface="Menlo" panose="020B0609030804020204" pitchFamily="49" charset="0"/>
+              </a:rPr>
+              <a:t> (</a:t>
+            </a:r>
+            <a:r>
+              <a:rPr lang="en" altLang="ja-JP" sz="1600" b="0">
+                <a:solidFill>
+                  <a:srgbClr val="B5CEA8"/>
+                </a:solidFill>
+                <a:effectLst/>
+                <a:highlight>
+                  <a:srgbClr val="1F1F1F"/>
+                </a:highlight>
+                <a:latin typeface="Menlo" panose="020B0609030804020204" pitchFamily="49" charset="0"/>
+              </a:rPr>
+              <a:t>1</a:t>
+            </a:r>
+            <a:r>
+              <a:rPr lang="en" altLang="ja-JP" sz="1600" b="0">
+                <a:solidFill>
+                  <a:srgbClr val="D4D4D4"/>
+                </a:solidFill>
+                <a:effectLst/>
+                <a:highlight>
+                  <a:srgbClr val="1F1F1F"/>
+                </a:highlight>
+                <a:latin typeface="Menlo" panose="020B0609030804020204" pitchFamily="49" charset="0"/>
+              </a:rPr>
+              <a:t>&lt;&lt;</a:t>
+            </a:r>
+            <a:r>
+              <a:rPr lang="en" altLang="ja-JP" sz="1600" b="0">
+                <a:solidFill>
+                  <a:srgbClr val="9CDCFE"/>
+                </a:solidFill>
+                <a:effectLst/>
+                <a:highlight>
+                  <a:srgbClr val="1F1F1F"/>
+                </a:highlight>
+                <a:latin typeface="Menlo" panose="020B0609030804020204" pitchFamily="49" charset="0"/>
+              </a:rPr>
+              <a:t>to</a:t>
+            </a:r>
+            <a:r>
+              <a:rPr lang="en" altLang="ja-JP" sz="1600" b="0">
+                <a:solidFill>
+                  <a:srgbClr val="CCCCCC"/>
+                </a:solidFill>
+                <a:effectLst/>
+                <a:highlight>
+                  <a:srgbClr val="1F1F1F"/>
+                </a:highlight>
+                <a:latin typeface="Menlo" panose="020B0609030804020204" pitchFamily="49" charset="0"/>
+              </a:rPr>
+              <a:t>)][</a:t>
+            </a:r>
+            <a:r>
+              <a:rPr lang="en" altLang="ja-JP" sz="1600" b="0">
+                <a:solidFill>
+                  <a:srgbClr val="9CDCFE"/>
+                </a:solidFill>
+                <a:effectLst/>
+                <a:highlight>
+                  <a:srgbClr val="1F1F1F"/>
+                </a:highlight>
+                <a:latin typeface="Menlo" panose="020B0609030804020204" pitchFamily="49" charset="0"/>
+              </a:rPr>
+              <a:t>to</a:t>
+            </a:r>
+            <a:r>
+              <a:rPr lang="en" altLang="ja-JP" sz="1600" b="0">
+                <a:solidFill>
+                  <a:srgbClr val="CCCCCC"/>
+                </a:solidFill>
+                <a:effectLst/>
+                <a:highlight>
+                  <a:srgbClr val="1F1F1F"/>
+                </a:highlight>
+                <a:latin typeface="Menlo" panose="020B0609030804020204" pitchFamily="49" charset="0"/>
+              </a:rPr>
+              <a:t>],dp[</a:t>
+            </a:r>
+            <a:r>
+              <a:rPr lang="en" altLang="ja-JP" sz="1600" b="0">
+                <a:solidFill>
+                  <a:srgbClr val="9CDCFE"/>
+                </a:solidFill>
+                <a:effectLst/>
+                <a:highlight>
+                  <a:srgbClr val="1F1F1F"/>
+                </a:highlight>
+                <a:latin typeface="Menlo" panose="020B0609030804020204" pitchFamily="49" charset="0"/>
+              </a:rPr>
+              <a:t>i</a:t>
+            </a:r>
+            <a:r>
+              <a:rPr lang="en" altLang="ja-JP" sz="1600" b="0">
+                <a:solidFill>
+                  <a:srgbClr val="CCCCCC"/>
+                </a:solidFill>
+                <a:effectLst/>
+                <a:highlight>
+                  <a:srgbClr val="1F1F1F"/>
+                </a:highlight>
+                <a:latin typeface="Menlo" panose="020B0609030804020204" pitchFamily="49" charset="0"/>
+              </a:rPr>
+              <a:t>][</a:t>
+            </a:r>
+            <a:r>
+              <a:rPr lang="en" altLang="ja-JP" sz="1600" b="0">
+                <a:solidFill>
+                  <a:srgbClr val="9CDCFE"/>
+                </a:solidFill>
+                <a:effectLst/>
+                <a:highlight>
+                  <a:srgbClr val="1F1F1F"/>
+                </a:highlight>
+                <a:latin typeface="Menlo" panose="020B0609030804020204" pitchFamily="49" charset="0"/>
+              </a:rPr>
+              <a:t>j</a:t>
+            </a:r>
+            <a:r>
+              <a:rPr lang="en" altLang="ja-JP" sz="1600" b="0">
+                <a:solidFill>
+                  <a:srgbClr val="CCCCCC"/>
+                </a:solidFill>
+                <a:effectLst/>
+                <a:highlight>
+                  <a:srgbClr val="1F1F1F"/>
+                </a:highlight>
+                <a:latin typeface="Menlo" panose="020B0609030804020204" pitchFamily="49" charset="0"/>
+              </a:rPr>
+              <a:t>] </a:t>
+            </a:r>
+            <a:r>
+              <a:rPr lang="en" altLang="ja-JP" sz="1600" b="0">
+                <a:solidFill>
+                  <a:srgbClr val="D4D4D4"/>
+                </a:solidFill>
+                <a:effectLst/>
+                <a:highlight>
+                  <a:srgbClr val="1F1F1F"/>
+                </a:highlight>
+                <a:latin typeface="Menlo" panose="020B0609030804020204" pitchFamily="49" charset="0"/>
+              </a:rPr>
+              <a:t>+</a:t>
+            </a:r>
+            <a:r>
+              <a:rPr lang="en" altLang="ja-JP" sz="1600" b="0">
+                <a:solidFill>
+                  <a:srgbClr val="CCCCCC"/>
+                </a:solidFill>
+                <a:effectLst/>
+                <a:highlight>
+                  <a:srgbClr val="1F1F1F"/>
+                </a:highlight>
+                <a:latin typeface="Menlo" panose="020B0609030804020204" pitchFamily="49" charset="0"/>
+              </a:rPr>
+              <a:t> </a:t>
+            </a:r>
+            <a:r>
+              <a:rPr lang="en" altLang="ja-JP" sz="1600" b="0">
+                <a:solidFill>
+                  <a:srgbClr val="9CDCFE"/>
+                </a:solidFill>
+                <a:effectLst/>
+                <a:highlight>
+                  <a:srgbClr val="1F1F1F"/>
+                </a:highlight>
+                <a:latin typeface="Menlo" panose="020B0609030804020204" pitchFamily="49" charset="0"/>
+              </a:rPr>
+              <a:t>cost</a:t>
+            </a:r>
+            <a:r>
+              <a:rPr lang="en" altLang="ja-JP" sz="1600" b="0">
+                <a:solidFill>
+                  <a:srgbClr val="CCCCCC"/>
+                </a:solidFill>
+                <a:effectLst/>
+                <a:highlight>
+                  <a:srgbClr val="1F1F1F"/>
+                </a:highlight>
+                <a:latin typeface="Menlo" panose="020B0609030804020204" pitchFamily="49" charset="0"/>
+              </a:rPr>
+              <a:t>]) </a:t>
+            </a:r>
+          </a:p>
+          <a:p>
+            <a:br>
+              <a:rPr lang="en" altLang="ja-JP" sz="1600" b="0">
+                <a:solidFill>
+                  <a:srgbClr val="CCCCCC"/>
+                </a:solidFill>
+                <a:effectLst/>
+                <a:highlight>
+                  <a:srgbClr val="1F1F1F"/>
+                </a:highlight>
+                <a:latin typeface="Menlo" panose="020B0609030804020204" pitchFamily="49" charset="0"/>
+              </a:rPr>
+            </a:br>
+            <a:r>
+              <a:rPr lang="ja-JP" altLang="en-US" sz="1600" b="0">
+                <a:solidFill>
+                  <a:srgbClr val="CCCCCC"/>
+                </a:solidFill>
+                <a:effectLst/>
+                <a:highlight>
+                  <a:srgbClr val="1F1F1F"/>
+                </a:highlight>
+                <a:latin typeface="Menlo" panose="020B0609030804020204" pitchFamily="49" charset="0"/>
+              </a:rPr>
+              <a:t>答えは</a:t>
+            </a:r>
+          </a:p>
+          <a:p>
+            <a:r>
+              <a:rPr lang="en" altLang="ja-JP" sz="1600" b="0">
+                <a:solidFill>
+                  <a:srgbClr val="C586C0"/>
+                </a:solidFill>
+                <a:effectLst/>
+                <a:highlight>
+                  <a:srgbClr val="1F1F1F"/>
+                </a:highlight>
+                <a:latin typeface="Menlo" panose="020B0609030804020204" pitchFamily="49" charset="0"/>
+              </a:rPr>
+              <a:t>if</a:t>
+            </a:r>
+            <a:r>
+              <a:rPr lang="en" altLang="ja-JP" sz="1600" b="0">
+                <a:solidFill>
+                  <a:srgbClr val="CCCCCC"/>
+                </a:solidFill>
+                <a:effectLst/>
+                <a:highlight>
+                  <a:srgbClr val="1F1F1F"/>
+                </a:highlight>
+                <a:latin typeface="Menlo" panose="020B0609030804020204" pitchFamily="49" charset="0"/>
+              </a:rPr>
+              <a:t> dp[(</a:t>
+            </a:r>
+            <a:r>
+              <a:rPr lang="en" altLang="ja-JP" sz="1600" b="0">
+                <a:solidFill>
+                  <a:srgbClr val="B5CEA8"/>
+                </a:solidFill>
+                <a:effectLst/>
+                <a:highlight>
+                  <a:srgbClr val="1F1F1F"/>
+                </a:highlight>
+                <a:latin typeface="Menlo" panose="020B0609030804020204" pitchFamily="49" charset="0"/>
+              </a:rPr>
+              <a:t>1</a:t>
+            </a:r>
+            <a:r>
+              <a:rPr lang="en" altLang="ja-JP" sz="1600" b="0">
+                <a:solidFill>
+                  <a:srgbClr val="D4D4D4"/>
+                </a:solidFill>
+                <a:effectLst/>
+                <a:highlight>
+                  <a:srgbClr val="1F1F1F"/>
+                </a:highlight>
+                <a:latin typeface="Menlo" panose="020B0609030804020204" pitchFamily="49" charset="0"/>
+              </a:rPr>
+              <a:t>&lt;&lt;</a:t>
+            </a:r>
+            <a:r>
+              <a:rPr lang="en" altLang="ja-JP" sz="1600" b="0">
+                <a:solidFill>
+                  <a:srgbClr val="CCCCCC"/>
+                </a:solidFill>
+                <a:effectLst/>
+                <a:highlight>
+                  <a:srgbClr val="1F1F1F"/>
+                </a:highlight>
+                <a:latin typeface="Menlo" panose="020B0609030804020204" pitchFamily="49" charset="0"/>
+              </a:rPr>
+              <a:t>n)</a:t>
+            </a:r>
+            <a:r>
+              <a:rPr lang="en" altLang="ja-JP" sz="1600" b="0">
+                <a:solidFill>
+                  <a:srgbClr val="D4D4D4"/>
+                </a:solidFill>
+                <a:effectLst/>
+                <a:highlight>
+                  <a:srgbClr val="1F1F1F"/>
+                </a:highlight>
+                <a:latin typeface="Menlo" panose="020B0609030804020204" pitchFamily="49" charset="0"/>
+              </a:rPr>
+              <a:t>-</a:t>
+            </a:r>
+            <a:r>
+              <a:rPr lang="en" altLang="ja-JP" sz="1600" b="0">
+                <a:solidFill>
+                  <a:srgbClr val="B5CEA8"/>
+                </a:solidFill>
+                <a:effectLst/>
+                <a:highlight>
+                  <a:srgbClr val="1F1F1F"/>
+                </a:highlight>
+                <a:latin typeface="Menlo" panose="020B0609030804020204" pitchFamily="49" charset="0"/>
+              </a:rPr>
+              <a:t>1</a:t>
+            </a:r>
+            <a:r>
+              <a:rPr lang="en" altLang="ja-JP" sz="1600" b="0">
+                <a:solidFill>
+                  <a:srgbClr val="CCCCCC"/>
+                </a:solidFill>
+                <a:effectLst/>
+                <a:highlight>
+                  <a:srgbClr val="1F1F1F"/>
+                </a:highlight>
+                <a:latin typeface="Menlo" panose="020B0609030804020204" pitchFamily="49" charset="0"/>
+              </a:rPr>
+              <a:t>][</a:t>
+            </a:r>
+            <a:r>
+              <a:rPr lang="en" altLang="ja-JP" sz="1600" b="0">
+                <a:solidFill>
+                  <a:srgbClr val="B5CEA8"/>
+                </a:solidFill>
+                <a:effectLst/>
+                <a:highlight>
+                  <a:srgbClr val="1F1F1F"/>
+                </a:highlight>
+                <a:latin typeface="Menlo" panose="020B0609030804020204" pitchFamily="49" charset="0"/>
+              </a:rPr>
+              <a:t>0</a:t>
+            </a:r>
+            <a:r>
+              <a:rPr lang="en" altLang="ja-JP" sz="1600" b="0">
+                <a:solidFill>
+                  <a:srgbClr val="CCCCCC"/>
+                </a:solidFill>
+                <a:effectLst/>
+                <a:highlight>
+                  <a:srgbClr val="1F1F1F"/>
+                </a:highlight>
+                <a:latin typeface="Menlo" panose="020B0609030804020204" pitchFamily="49" charset="0"/>
+              </a:rPr>
+              <a:t>]</a:t>
+            </a:r>
+            <a:r>
+              <a:rPr lang="ja-JP" altLang="en-US" sz="1600" b="0">
+                <a:solidFill>
+                  <a:srgbClr val="CCCCCC"/>
+                </a:solidFill>
+                <a:effectLst/>
+                <a:highlight>
+                  <a:srgbClr val="1F1F1F"/>
+                </a:highlight>
+                <a:latin typeface="Menlo" panose="020B0609030804020204" pitchFamily="49" charset="0"/>
+              </a:rPr>
+              <a:t>が</a:t>
+            </a:r>
+            <a:r>
+              <a:rPr lang="en" altLang="ja-JP" sz="1600" b="0">
+                <a:solidFill>
+                  <a:srgbClr val="CCCCCC"/>
+                </a:solidFill>
+                <a:effectLst/>
+                <a:highlight>
+                  <a:srgbClr val="1F1F1F"/>
+                </a:highlight>
+                <a:latin typeface="Menlo" panose="020B0609030804020204" pitchFamily="49" charset="0"/>
+              </a:rPr>
+              <a:t>INF =</a:t>
+            </a:r>
+            <a:r>
+              <a:rPr lang="en" altLang="ja-JP" sz="1600" b="0">
+                <a:solidFill>
+                  <a:srgbClr val="D4D4D4"/>
+                </a:solidFill>
+                <a:effectLst/>
+                <a:highlight>
+                  <a:srgbClr val="1F1F1F"/>
+                </a:highlight>
+                <a:latin typeface="Menlo" panose="020B0609030804020204" pitchFamily="49" charset="0"/>
+              </a:rPr>
+              <a:t>&gt;</a:t>
+            </a:r>
+            <a:r>
+              <a:rPr lang="en" altLang="ja-JP" sz="1600" b="0">
+                <a:solidFill>
+                  <a:srgbClr val="CCCCCC"/>
+                </a:solidFill>
+                <a:effectLst/>
+                <a:highlight>
+                  <a:srgbClr val="1F1F1F"/>
+                </a:highlight>
+                <a:latin typeface="Menlo" panose="020B0609030804020204" pitchFamily="49" charset="0"/>
+              </a:rPr>
+              <a:t> </a:t>
+            </a:r>
+            <a:r>
+              <a:rPr lang="en" altLang="ja-JP" sz="1600" b="0">
+                <a:solidFill>
+                  <a:srgbClr val="D4D4D4"/>
+                </a:solidFill>
+                <a:effectLst/>
+                <a:highlight>
+                  <a:srgbClr val="1F1F1F"/>
+                </a:highlight>
+                <a:latin typeface="Menlo" panose="020B0609030804020204" pitchFamily="49" charset="0"/>
+              </a:rPr>
+              <a:t>-</a:t>
+            </a:r>
+            <a:r>
+              <a:rPr lang="en" altLang="ja-JP" sz="1600" b="0">
+                <a:solidFill>
+                  <a:srgbClr val="B5CEA8"/>
+                </a:solidFill>
+                <a:effectLst/>
+                <a:highlight>
+                  <a:srgbClr val="1F1F1F"/>
+                </a:highlight>
+                <a:latin typeface="Menlo" panose="020B0609030804020204" pitchFamily="49" charset="0"/>
+              </a:rPr>
+              <a:t>1</a:t>
+            </a:r>
+            <a:r>
+              <a:rPr lang="ja-JP" altLang="en" sz="1600" b="0">
+                <a:solidFill>
+                  <a:srgbClr val="CCCCCC"/>
+                </a:solidFill>
+                <a:effectLst/>
+                <a:highlight>
+                  <a:srgbClr val="1F1F1F"/>
+                </a:highlight>
+                <a:latin typeface="Menlo" panose="020B0609030804020204" pitchFamily="49" charset="0"/>
+              </a:rPr>
+              <a:t>　</a:t>
+            </a:r>
+          </a:p>
+          <a:p>
+            <a:r>
+              <a:rPr lang="en" altLang="ja-JP" sz="1600" b="0">
+                <a:solidFill>
+                  <a:srgbClr val="C586C0"/>
+                </a:solidFill>
+                <a:effectLst/>
+                <a:highlight>
+                  <a:srgbClr val="1F1F1F"/>
+                </a:highlight>
+                <a:latin typeface="Menlo" panose="020B0609030804020204" pitchFamily="49" charset="0"/>
+              </a:rPr>
+              <a:t>else</a:t>
+            </a:r>
+            <a:r>
+              <a:rPr lang="en" altLang="ja-JP" sz="1600" b="0">
+                <a:solidFill>
+                  <a:srgbClr val="CCCCCC"/>
+                </a:solidFill>
+                <a:effectLst/>
+                <a:highlight>
+                  <a:srgbClr val="1F1F1F"/>
+                </a:highlight>
+                <a:latin typeface="Menlo" panose="020B0609030804020204" pitchFamily="49" charset="0"/>
+              </a:rPr>
+              <a:t> dp[(</a:t>
+            </a:r>
+            <a:r>
+              <a:rPr lang="en" altLang="ja-JP" sz="1600" b="0">
+                <a:solidFill>
+                  <a:srgbClr val="B5CEA8"/>
+                </a:solidFill>
+                <a:effectLst/>
+                <a:highlight>
+                  <a:srgbClr val="1F1F1F"/>
+                </a:highlight>
+                <a:latin typeface="Menlo" panose="020B0609030804020204" pitchFamily="49" charset="0"/>
+              </a:rPr>
+              <a:t>1</a:t>
+            </a:r>
+            <a:r>
+              <a:rPr lang="en" altLang="ja-JP" sz="1600" b="0">
+                <a:solidFill>
+                  <a:srgbClr val="D4D4D4"/>
+                </a:solidFill>
+                <a:effectLst/>
+                <a:highlight>
+                  <a:srgbClr val="1F1F1F"/>
+                </a:highlight>
+                <a:latin typeface="Menlo" panose="020B0609030804020204" pitchFamily="49" charset="0"/>
+              </a:rPr>
+              <a:t>&lt;&lt;</a:t>
+            </a:r>
+            <a:r>
+              <a:rPr lang="en" altLang="ja-JP" sz="1600" b="0">
+                <a:solidFill>
+                  <a:srgbClr val="CCCCCC"/>
+                </a:solidFill>
+                <a:effectLst/>
+                <a:highlight>
+                  <a:srgbClr val="1F1F1F"/>
+                </a:highlight>
+                <a:latin typeface="Menlo" panose="020B0609030804020204" pitchFamily="49" charset="0"/>
+              </a:rPr>
+              <a:t>n)</a:t>
+            </a:r>
+            <a:r>
+              <a:rPr lang="en" altLang="ja-JP" sz="1600" b="0">
+                <a:solidFill>
+                  <a:srgbClr val="D4D4D4"/>
+                </a:solidFill>
+                <a:effectLst/>
+                <a:highlight>
+                  <a:srgbClr val="1F1F1F"/>
+                </a:highlight>
+                <a:latin typeface="Menlo" panose="020B0609030804020204" pitchFamily="49" charset="0"/>
+              </a:rPr>
+              <a:t>-</a:t>
+            </a:r>
+            <a:r>
+              <a:rPr lang="en" altLang="ja-JP" sz="1600" b="0">
+                <a:solidFill>
+                  <a:srgbClr val="B5CEA8"/>
+                </a:solidFill>
+                <a:effectLst/>
+                <a:highlight>
+                  <a:srgbClr val="1F1F1F"/>
+                </a:highlight>
+                <a:latin typeface="Menlo" panose="020B0609030804020204" pitchFamily="49" charset="0"/>
+              </a:rPr>
+              <a:t>1</a:t>
+            </a:r>
+            <a:r>
+              <a:rPr lang="en" altLang="ja-JP" sz="1600" b="0">
+                <a:solidFill>
+                  <a:srgbClr val="CCCCCC"/>
+                </a:solidFill>
+                <a:effectLst/>
+                <a:highlight>
+                  <a:srgbClr val="1F1F1F"/>
+                </a:highlight>
+                <a:latin typeface="Menlo" panose="020B0609030804020204" pitchFamily="49" charset="0"/>
+              </a:rPr>
+              <a:t>][</a:t>
+            </a:r>
+            <a:r>
+              <a:rPr lang="en" altLang="ja-JP" sz="1600" b="0">
+                <a:solidFill>
+                  <a:srgbClr val="B5CEA8"/>
+                </a:solidFill>
+                <a:effectLst/>
+                <a:highlight>
+                  <a:srgbClr val="1F1F1F"/>
+                </a:highlight>
+                <a:latin typeface="Menlo" panose="020B0609030804020204" pitchFamily="49" charset="0"/>
+              </a:rPr>
+              <a:t>0</a:t>
+            </a:r>
+            <a:r>
+              <a:rPr lang="en" altLang="ja-JP" sz="1600" b="0">
+                <a:solidFill>
+                  <a:srgbClr val="CCCCCC"/>
+                </a:solidFill>
+                <a:effectLst/>
+                <a:highlight>
+                  <a:srgbClr val="1F1F1F"/>
+                </a:highlight>
+                <a:latin typeface="Menlo" panose="020B0609030804020204" pitchFamily="49" charset="0"/>
+              </a:rPr>
+              <a:t>]</a:t>
+            </a:r>
+          </a:p>
+          <a:p>
+            <a:endParaRPr kumimoji="1" lang="ja-JP" altLang="en-US" sz="1600"/>
           </a:p>
         </p:txBody>
       </p:sp>
@@ -18535,7 +21205,7 @@
         <p:spPr>
           <a:xfrm>
             <a:off x="464671" y="1286662"/>
-            <a:ext cx="9652001" cy="461665"/>
+            <a:ext cx="9959778" cy="461665"/>
           </a:xfrm>
           <a:prstGeom prst="rect">
             <a:avLst/>
@@ -18772,8 +21442,12 @@
           <a:lstStyle/>
           <a:p>
             <a:r>
+              <a:rPr lang="en-US" altLang="ja-JP"/>
+              <a:t>9</a:t>
+            </a:r>
+            <a:r>
               <a:rPr kumimoji="1" lang="en-US" altLang="ja-JP"/>
-              <a:t>10</a:t>
+              <a:t>0</a:t>
             </a:r>
             <a:r>
               <a:rPr kumimoji="1" lang="ja-JP" altLang="en-US"/>
@@ -18850,8 +21524,12 @@
           <a:lstStyle/>
           <a:p>
             <a:r>
+              <a:rPr lang="en-US" altLang="ja-JP"/>
+              <a:t>1</a:t>
+            </a:r>
+            <a:r>
               <a:rPr kumimoji="1" lang="en-US" altLang="ja-JP"/>
-              <a:t>90</a:t>
+              <a:t>0</a:t>
             </a:r>
             <a:r>
               <a:rPr kumimoji="1" lang="ja-JP" altLang="en-US"/>
@@ -19019,7 +21697,7 @@
           <p:nvPr>
             <p:extLst>
               <p:ext uri="{D42A27DB-BD31-4B8C-83A1-F6EECF244321}">
-                <p14:modId xmlns:p14="http://schemas.microsoft.com/office/powerpoint/2010/main" val="2324992247"/>
+                <p14:modId xmlns:p14="http://schemas.microsoft.com/office/powerpoint/2010/main" val="1684271438"/>
               </p:ext>
             </p:extLst>
           </p:nvPr>
@@ -19253,37 +21931,37 @@
                       <a:pPr algn="ctr"/>
                       <a:r>
                         <a:rPr kumimoji="1" lang="en-US" altLang="ja-JP"/>
+                        <a:t>0</a:t>
+                      </a:r>
+                      <a:endParaRPr kumimoji="1" lang="ja-JP" altLang="en-US"/>
+                    </a:p>
+                  </a:txBody>
+                  <a:tcPr/>
+                </a:tc>
+                <a:tc>
+                  <a:txBody>
+                    <a:bodyPr/>
+                    <a:lstStyle/>
+                    <a:p>
+                      <a:pPr algn="ctr"/>
+                      <a:r>
+                        <a:rPr kumimoji="1" lang="en-US" altLang="ja-JP"/>
+                        <a:t>0</a:t>
+                      </a:r>
+                      <a:endParaRPr kumimoji="1" lang="ja-JP" altLang="en-US"/>
+                    </a:p>
+                  </a:txBody>
+                  <a:tcPr/>
+                </a:tc>
+                <a:tc>
+                  <a:txBody>
+                    <a:bodyPr/>
+                    <a:lstStyle/>
+                    <a:p>
+                      <a:pPr algn="ctr"/>
+                      <a:r>
+                        <a:rPr kumimoji="1" lang="en-US" altLang="ja-JP"/>
                         <a:t>1</a:t>
-                      </a:r>
-                      <a:endParaRPr kumimoji="1" lang="ja-JP" altLang="en-US"/>
-                    </a:p>
-                  </a:txBody>
-                  <a:tcPr/>
-                </a:tc>
-                <a:tc>
-                  <a:txBody>
-                    <a:bodyPr/>
-                    <a:lstStyle/>
-                    <a:p>
-                      <a:pPr algn="ctr"/>
-                      <a:r>
-                        <a:rPr kumimoji="1" lang="en-US" altLang="ja-JP"/>
-                        <a:t>0</a:t>
-                      </a:r>
-                      <a:endParaRPr kumimoji="1" lang="ja-JP" altLang="en-US"/>
-                    </a:p>
-                  </a:txBody>
-                  <a:tcPr/>
-                </a:tc>
-                <a:tc>
-                  <a:txBody>
-                    <a:bodyPr/>
-                    <a:lstStyle/>
-                    <a:p>
-                      <a:pPr algn="ctr"/>
-                      <a:r>
-                        <a:rPr kumimoji="1" lang="en-US" altLang="ja-JP"/>
-                        <a:t>0</a:t>
                       </a:r>
                       <a:endParaRPr kumimoji="1" lang="ja-JP" altLang="en-US"/>
                     </a:p>
@@ -19421,6 +22099,21 @@
                       <a:pPr algn="ctr"/>
                       <a:r>
                         <a:rPr kumimoji="1" lang="en-US" altLang="ja-JP"/>
+                        <a:t>0</a:t>
+                      </a:r>
+                      <a:endParaRPr kumimoji="1" lang="ja-JP" altLang="en-US"/>
+                    </a:p>
+                  </a:txBody>
+                  <a:tcPr/>
+                </a:tc>
+                <a:tc>
+                  <a:txBody>
+                    <a:bodyPr/>
+                    <a:lstStyle/>
+                    <a:p>
+                      <a:pPr algn="ctr"/>
+                      <a:r>
+                        <a:rPr kumimoji="1" lang="en-US" altLang="ja-JP"/>
                         <a:t>1</a:t>
                       </a:r>
                       <a:endParaRPr kumimoji="1" lang="ja-JP" altLang="en-US"/>
@@ -19437,21 +22130,6 @@
                       <a:r>
                         <a:rPr kumimoji="1" lang="en-US" altLang="ja-JP"/>
                         <a:t>1</a:t>
-                      </a:r>
-                      <a:endParaRPr kumimoji="1" lang="ja-JP" altLang="en-US"/>
-                    </a:p>
-                  </a:txBody>
-                  <a:tcPr/>
-                </a:tc>
-                <a:tc>
-                  <a:txBody>
-                    <a:bodyPr/>
-                    <a:lstStyle/>
-                    <a:p>
-                      <a:pPr algn="ctr"/>
-                      <a:r>
-                        <a:rPr kumimoji="1" lang="en-US" altLang="ja-JP"/>
-                        <a:t>0</a:t>
                       </a:r>
                     </a:p>
                   </a:txBody>
@@ -19504,6 +22182,21 @@
                       <a:pPr algn="ctr"/>
                       <a:r>
                         <a:rPr kumimoji="1" lang="en-US" altLang="ja-JP"/>
+                        <a:t>1</a:t>
+                      </a:r>
+                      <a:endParaRPr kumimoji="1" lang="ja-JP" altLang="en-US"/>
+                    </a:p>
+                  </a:txBody>
+                  <a:tcPr/>
+                </a:tc>
+                <a:tc>
+                  <a:txBody>
+                    <a:bodyPr/>
+                    <a:lstStyle/>
+                    <a:p>
+                      <a:pPr algn="ctr"/>
+                      <a:r>
+                        <a:rPr kumimoji="1" lang="en-US" altLang="ja-JP"/>
                         <a:t>0</a:t>
                       </a:r>
                       <a:endParaRPr kumimoji="1" lang="ja-JP" altLang="en-US"/>
@@ -19520,21 +22213,6 @@
                       <a:r>
                         <a:rPr kumimoji="1" lang="en-US" altLang="ja-JP"/>
                         <a:t>0</a:t>
-                      </a:r>
-                      <a:endParaRPr kumimoji="1" lang="ja-JP" altLang="en-US"/>
-                    </a:p>
-                  </a:txBody>
-                  <a:tcPr/>
-                </a:tc>
-                <a:tc>
-                  <a:txBody>
-                    <a:bodyPr/>
-                    <a:lstStyle/>
-                    <a:p>
-                      <a:pPr algn="ctr"/>
-                      <a:r>
-                        <a:rPr kumimoji="1" lang="en-US" altLang="ja-JP"/>
-                        <a:t>1</a:t>
                       </a:r>
                       <a:endParaRPr kumimoji="1" lang="ja-JP" altLang="en-US"/>
                     </a:p>
@@ -19672,37 +22350,37 @@
                       <a:pPr algn="ctr"/>
                       <a:r>
                         <a:rPr kumimoji="1" lang="en-US" altLang="ja-JP"/>
+                        <a:t>1</a:t>
+                      </a:r>
+                      <a:endParaRPr kumimoji="1" lang="ja-JP" altLang="en-US"/>
+                    </a:p>
+                  </a:txBody>
+                  <a:tcPr/>
+                </a:tc>
+                <a:tc>
+                  <a:txBody>
+                    <a:bodyPr/>
+                    <a:lstStyle/>
+                    <a:p>
+                      <a:pPr algn="ctr"/>
+                      <a:r>
+                        <a:rPr kumimoji="1" lang="en-US" altLang="ja-JP"/>
+                        <a:t>1</a:t>
+                      </a:r>
+                      <a:endParaRPr kumimoji="1" lang="ja-JP" altLang="en-US"/>
+                    </a:p>
+                  </a:txBody>
+                  <a:tcPr/>
+                </a:tc>
+                <a:tc>
+                  <a:txBody>
+                    <a:bodyPr/>
+                    <a:lstStyle/>
+                    <a:p>
+                      <a:pPr algn="ctr"/>
+                      <a:r>
+                        <a:rPr kumimoji="1" lang="en-US" altLang="ja-JP"/>
                         <a:t>0</a:t>
-                      </a:r>
-                      <a:endParaRPr kumimoji="1" lang="ja-JP" altLang="en-US"/>
-                    </a:p>
-                  </a:txBody>
-                  <a:tcPr/>
-                </a:tc>
-                <a:tc>
-                  <a:txBody>
-                    <a:bodyPr/>
-                    <a:lstStyle/>
-                    <a:p>
-                      <a:pPr algn="ctr"/>
-                      <a:r>
-                        <a:rPr kumimoji="1" lang="en-US" altLang="ja-JP"/>
-                        <a:t>1</a:t>
-                      </a:r>
-                      <a:endParaRPr kumimoji="1" lang="ja-JP" altLang="en-US"/>
-                    </a:p>
-                  </a:txBody>
-                  <a:tcPr/>
-                </a:tc>
-                <a:tc>
-                  <a:txBody>
-                    <a:bodyPr/>
-                    <a:lstStyle/>
-                    <a:p>
-                      <a:pPr algn="ctr"/>
-                      <a:r>
-                        <a:rPr kumimoji="1" lang="en-US" altLang="ja-JP"/>
-                        <a:t>1</a:t>
                       </a:r>
                       <a:endParaRPr kumimoji="1" lang="ja-JP" altLang="en-US"/>
                     </a:p>
@@ -20008,8 +22686,12 @@
           <a:lstStyle/>
           <a:p>
             <a:r>
+              <a:rPr lang="en-US" altLang="ja-JP"/>
+              <a:t>9</a:t>
+            </a:r>
+            <a:r>
               <a:rPr kumimoji="1" lang="en-US" altLang="ja-JP"/>
-              <a:t>10</a:t>
+              <a:t>0</a:t>
             </a:r>
             <a:r>
               <a:rPr kumimoji="1" lang="ja-JP" altLang="en-US"/>
@@ -20086,8 +22768,12 @@
           <a:lstStyle/>
           <a:p>
             <a:r>
+              <a:rPr lang="en-US" altLang="ja-JP"/>
+              <a:t>1</a:t>
+            </a:r>
+            <a:r>
               <a:rPr kumimoji="1" lang="en-US" altLang="ja-JP"/>
-              <a:t>90</a:t>
+              <a:t>0</a:t>
             </a:r>
             <a:r>
               <a:rPr kumimoji="1" lang="ja-JP" altLang="en-US"/>
